--- a/presentation.pptx
+++ b/presentation.pptx
@@ -17,13 +17,22 @@
     <p:sldId id="262" r:id="rId12"/>
     <p:sldId id="263" r:id="rId13"/>
     <p:sldId id="264" r:id="rId14"/>
+    <p:sldId id="265" r:id="rId15"/>
+    <p:sldId id="266" r:id="rId16"/>
   </p:sldIdLst>
   <p:sldSz cy="6858000" cx="12192000"/>
   <p:notesSz cx="6858000" cy="9144000"/>
   <p:embeddedFontLst>
     <p:embeddedFont>
+      <p:font typeface="Roboto"/>
+      <p:regular r:id="rId17"/>
+      <p:bold r:id="rId18"/>
+      <p:italic r:id="rId19"/>
+      <p:boldItalic r:id="rId20"/>
+    </p:embeddedFont>
+    <p:embeddedFont>
       <p:font typeface="Questrial"/>
-      <p:regular r:id="rId15"/>
+      <p:regular r:id="rId21"/>
     </p:embeddedFont>
   </p:embeddedFontLst>
   <p:defaultTextStyle>
@@ -1666,6 +1675,309 @@
 </p:notes>
 </file>
 
+<file path=ppt/notesSlides/notesSlide10.xml><?xml version="1.0" encoding="utf-8"?>
+<p:notes xmlns:a="http://schemas.openxmlformats.org/drawingml/2006/main" xmlns:r="http://schemas.openxmlformats.org/officeDocument/2006/relationships" xmlns:mc="http://schemas.openxmlformats.org/markup-compatibility/2006" xmlns:mv="urn:schemas-microsoft-com:mac:vml" xmlns:p="http://schemas.openxmlformats.org/presentationml/2006/main" xmlns:c="http://schemas.openxmlformats.org/drawingml/2006/chart" xmlns:dgm="http://schemas.openxmlformats.org/drawingml/2006/diagram" xmlns:o="urn:schemas-microsoft-com:office:office" xmlns:v="urn:schemas-microsoft-com:vml" xmlns:pvml="urn:schemas-microsoft-com:office:powerpoint" xmlns:com="http://schemas.openxmlformats.org/drawingml/2006/compatibility" xmlns:p14="http://schemas.microsoft.com/office/powerpoint/2010/main" xmlns:p15="http://schemas.microsoft.com/office/powerpoint/2012/main" xmlns:ahyp="http://schemas.microsoft.com/office/drawing/2018/hyperlinkcolor" showMasterPhAnim="0" showMasterSp="0">
+  <p:cSld>
+    <p:spTree>
+      <p:nvGrpSpPr>
+        <p:cNvPr id="260" name="Shape 260"/>
+        <p:cNvGrpSpPr/>
+        <p:nvPr/>
+      </p:nvGrpSpPr>
+      <p:grpSpPr>
+        <a:xfrm>
+          <a:off x="0" y="0"/>
+          <a:ext cx="0" cy="0"/>
+          <a:chOff x="0" y="0"/>
+          <a:chExt cx="0" cy="0"/>
+        </a:xfrm>
+      </p:grpSpPr>
+      <p:sp>
+        <p:nvSpPr>
+          <p:cNvPr id="261" name="Google Shape;261;g2a47ed8ae4f_2_105:notes"/>
+          <p:cNvSpPr txBox="1"/>
+          <p:nvPr>
+            <p:ph idx="1" type="body"/>
+          </p:nvPr>
+        </p:nvSpPr>
+        <p:spPr>
+          <a:xfrm>
+            <a:off x="685800" y="4400550"/>
+            <a:ext cx="5486400" cy="3600600"/>
+          </a:xfrm>
+          <a:prstGeom prst="rect">
+            <a:avLst/>
+          </a:prstGeom>
+        </p:spPr>
+        <p:txBody>
+          <a:bodyPr anchorCtr="0" anchor="t" bIns="45700" lIns="91425" spcFirstLastPara="1" rIns="91425" wrap="square" tIns="45700">
+            <a:noAutofit/>
+          </a:bodyPr>
+          <a:lstStyle/>
+          <a:p>
+            <a:pPr indent="0" lvl="0" marL="0" rtl="0" algn="l">
+              <a:spcBef>
+                <a:spcPts val="0"/>
+              </a:spcBef>
+              <a:spcAft>
+                <a:spcPts val="0"/>
+              </a:spcAft>
+              <a:buNone/>
+            </a:pPr>
+            <a:r>
+              <a:t/>
+            </a:r>
+            <a:endParaRPr/>
+          </a:p>
+        </p:txBody>
+      </p:sp>
+      <p:sp>
+        <p:nvSpPr>
+          <p:cNvPr id="262" name="Google Shape;262;g2a47ed8ae4f_2_105:notes"/>
+          <p:cNvSpPr/>
+          <p:nvPr>
+            <p:ph idx="2" type="sldImg"/>
+          </p:nvPr>
+        </p:nvSpPr>
+        <p:spPr>
+          <a:xfrm>
+            <a:off x="685800" y="1143000"/>
+            <a:ext cx="5486400" cy="3086100"/>
+          </a:xfrm>
+          <a:custGeom>
+            <a:rect b="b" l="l" r="r" t="t"/>
+            <a:pathLst>
+              <a:path extrusionOk="0" h="120000" w="120000">
+                <a:moveTo>
+                  <a:pt x="0" y="0"/>
+                </a:moveTo>
+                <a:lnTo>
+                  <a:pt x="120000" y="0"/>
+                </a:lnTo>
+                <a:lnTo>
+                  <a:pt x="120000" y="120000"/>
+                </a:lnTo>
+                <a:lnTo>
+                  <a:pt x="0" y="120000"/>
+                </a:lnTo>
+                <a:close/>
+              </a:path>
+            </a:pathLst>
+          </a:custGeom>
+        </p:spPr>
+      </p:sp>
+    </p:spTree>
+  </p:cSld>
+  <p:clrMapOvr>
+    <a:masterClrMapping/>
+  </p:clrMapOvr>
+</p:notes>
+</file>
+
+<file path=ppt/notesSlides/notesSlide11.xml><?xml version="1.0" encoding="utf-8"?>
+<p:notes xmlns:a="http://schemas.openxmlformats.org/drawingml/2006/main" xmlns:r="http://schemas.openxmlformats.org/officeDocument/2006/relationships" xmlns:mc="http://schemas.openxmlformats.org/markup-compatibility/2006" xmlns:mv="urn:schemas-microsoft-com:mac:vml" xmlns:p="http://schemas.openxmlformats.org/presentationml/2006/main" xmlns:c="http://schemas.openxmlformats.org/drawingml/2006/chart" xmlns:dgm="http://schemas.openxmlformats.org/drawingml/2006/diagram" xmlns:o="urn:schemas-microsoft-com:office:office" xmlns:v="urn:schemas-microsoft-com:vml" xmlns:pvml="urn:schemas-microsoft-com:office:powerpoint" xmlns:com="http://schemas.openxmlformats.org/drawingml/2006/compatibility" xmlns:p14="http://schemas.microsoft.com/office/powerpoint/2010/main" xmlns:p15="http://schemas.microsoft.com/office/powerpoint/2012/main" xmlns:ahyp="http://schemas.microsoft.com/office/drawing/2018/hyperlinkcolor" showMasterPhAnim="0" showMasterSp="0">
+  <p:cSld>
+    <p:spTree>
+      <p:nvGrpSpPr>
+        <p:cNvPr id="267" name="Shape 267"/>
+        <p:cNvGrpSpPr/>
+        <p:nvPr/>
+      </p:nvGrpSpPr>
+      <p:grpSpPr>
+        <a:xfrm>
+          <a:off x="0" y="0"/>
+          <a:ext cx="0" cy="0"/>
+          <a:chOff x="0" y="0"/>
+          <a:chExt cx="0" cy="0"/>
+        </a:xfrm>
+      </p:grpSpPr>
+      <p:sp>
+        <p:nvSpPr>
+          <p:cNvPr id="268" name="Google Shape;268;g2a47ed8ae4f_2_9:notes"/>
+          <p:cNvSpPr/>
+          <p:nvPr>
+            <p:ph idx="2" type="sldImg"/>
+          </p:nvPr>
+        </p:nvSpPr>
+        <p:spPr>
+          <a:xfrm>
+            <a:off x="685800" y="1143000"/>
+            <a:ext cx="5486400" cy="3086100"/>
+          </a:xfrm>
+          <a:custGeom>
+            <a:rect b="b" l="l" r="r" t="t"/>
+            <a:pathLst>
+              <a:path extrusionOk="0" h="120000" w="120000">
+                <a:moveTo>
+                  <a:pt x="0" y="0"/>
+                </a:moveTo>
+                <a:lnTo>
+                  <a:pt x="120000" y="0"/>
+                </a:lnTo>
+                <a:lnTo>
+                  <a:pt x="120000" y="120000"/>
+                </a:lnTo>
+                <a:lnTo>
+                  <a:pt x="0" y="120000"/>
+                </a:lnTo>
+                <a:close/>
+              </a:path>
+            </a:pathLst>
+          </a:custGeom>
+          <a:noFill/>
+          <a:ln cap="flat" cmpd="sng" w="12700">
+            <a:solidFill>
+              <a:srgbClr val="000000"/>
+            </a:solidFill>
+            <a:prstDash val="solid"/>
+            <a:round/>
+            <a:headEnd len="sm" w="sm" type="none"/>
+            <a:tailEnd len="sm" w="sm" type="none"/>
+          </a:ln>
+        </p:spPr>
+      </p:sp>
+      <p:sp>
+        <p:nvSpPr>
+          <p:cNvPr id="269" name="Google Shape;269;g2a47ed8ae4f_2_9:notes"/>
+          <p:cNvSpPr txBox="1"/>
+          <p:nvPr>
+            <p:ph idx="1" type="body"/>
+          </p:nvPr>
+        </p:nvSpPr>
+        <p:spPr>
+          <a:xfrm>
+            <a:off x="685800" y="4400550"/>
+            <a:ext cx="5486400" cy="3600600"/>
+          </a:xfrm>
+          <a:prstGeom prst="rect">
+            <a:avLst/>
+          </a:prstGeom>
+          <a:noFill/>
+          <a:ln>
+            <a:noFill/>
+          </a:ln>
+        </p:spPr>
+        <p:txBody>
+          <a:bodyPr anchorCtr="0" anchor="t" bIns="45700" lIns="91425" spcFirstLastPara="1" rIns="91425" wrap="square" tIns="45700">
+            <a:noAutofit/>
+          </a:bodyPr>
+          <a:lstStyle/>
+          <a:p>
+            <a:pPr indent="0" lvl="0" marL="0" rtl="0" algn="l">
+              <a:spcBef>
+                <a:spcPts val="0"/>
+              </a:spcBef>
+              <a:spcAft>
+                <a:spcPts val="0"/>
+              </a:spcAft>
+              <a:buNone/>
+            </a:pPr>
+            <a:r>
+              <a:rPr b="0" i="0" lang="en-US" sz="1200">
+                <a:solidFill>
+                  <a:schemeClr val="dk1"/>
+                </a:solidFill>
+                <a:latin typeface="Calibri"/>
+                <a:ea typeface="Calibri"/>
+                <a:cs typeface="Calibri"/>
+                <a:sym typeface="Calibri"/>
+              </a:rPr>
+              <a:t>Photo by </a:t>
+            </a:r>
+            <a:r>
+              <a:rPr b="0" i="0" lang="en-US" sz="1200" u="sng">
+                <a:solidFill>
+                  <a:schemeClr val="hlink"/>
+                </a:solidFill>
+                <a:latin typeface="Calibri"/>
+                <a:ea typeface="Calibri"/>
+                <a:cs typeface="Calibri"/>
+                <a:sym typeface="Calibri"/>
+                <a:hlinkClick r:id="rId2"/>
+              </a:rPr>
+              <a:t>rawpixel</a:t>
+            </a:r>
+            <a:r>
+              <a:rPr b="0" i="0" lang="en-US" sz="1200">
+                <a:solidFill>
+                  <a:schemeClr val="dk1"/>
+                </a:solidFill>
+                <a:latin typeface="Calibri"/>
+                <a:ea typeface="Calibri"/>
+                <a:cs typeface="Calibri"/>
+                <a:sym typeface="Calibri"/>
+              </a:rPr>
+              <a:t> on </a:t>
+            </a:r>
+            <a:r>
+              <a:rPr b="0" i="0" lang="en-US" sz="1200" u="sng">
+                <a:solidFill>
+                  <a:schemeClr val="hlink"/>
+                </a:solidFill>
+                <a:latin typeface="Calibri"/>
+                <a:ea typeface="Calibri"/>
+                <a:cs typeface="Calibri"/>
+                <a:sym typeface="Calibri"/>
+                <a:hlinkClick r:id="rId3"/>
+              </a:rPr>
+              <a:t>Unsplash</a:t>
+            </a:r>
+            <a:endParaRPr/>
+          </a:p>
+        </p:txBody>
+      </p:sp>
+      <p:sp>
+        <p:nvSpPr>
+          <p:cNvPr id="270" name="Google Shape;270;g2a47ed8ae4f_2_9:notes"/>
+          <p:cNvSpPr txBox="1"/>
+          <p:nvPr>
+            <p:ph idx="12" type="sldNum"/>
+          </p:nvPr>
+        </p:nvSpPr>
+        <p:spPr>
+          <a:xfrm>
+            <a:off x="3884613" y="8685213"/>
+            <a:ext cx="2971800" cy="458700"/>
+          </a:xfrm>
+          <a:prstGeom prst="rect">
+            <a:avLst/>
+          </a:prstGeom>
+          <a:noFill/>
+          <a:ln>
+            <a:noFill/>
+          </a:ln>
+        </p:spPr>
+        <p:txBody>
+          <a:bodyPr anchorCtr="0" anchor="b" bIns="45700" lIns="91425" spcFirstLastPara="1" rIns="91425" wrap="square" tIns="45700">
+            <a:noAutofit/>
+          </a:bodyPr>
+          <a:lstStyle/>
+          <a:p>
+            <a:pPr indent="0" lvl="0" marL="0" rtl="0" algn="r">
+              <a:spcBef>
+                <a:spcPts val="0"/>
+              </a:spcBef>
+              <a:spcAft>
+                <a:spcPts val="0"/>
+              </a:spcAft>
+              <a:buNone/>
+            </a:pPr>
+            <a:fld id="{00000000-1234-1234-1234-123412341234}" type="slidenum">
+              <a:rPr lang="en-US"/>
+              <a:t>‹#›</a:t>
+            </a:fld>
+            <a:endParaRPr/>
+          </a:p>
+        </p:txBody>
+      </p:sp>
+    </p:spTree>
+  </p:cSld>
+  <p:clrMapOvr>
+    <a:masterClrMapping/>
+  </p:clrMapOvr>
+</p:notes>
+</file>
+
 <file path=ppt/notesSlides/notesSlide2.xml><?xml version="1.0" encoding="utf-8"?>
 <p:notes xmlns:a="http://schemas.openxmlformats.org/drawingml/2006/main" xmlns:r="http://schemas.openxmlformats.org/officeDocument/2006/relationships" xmlns:mc="http://schemas.openxmlformats.org/markup-compatibility/2006" xmlns:mv="urn:schemas-microsoft-com:mac:vml" xmlns:p="http://schemas.openxmlformats.org/presentationml/2006/main" xmlns:c="http://schemas.openxmlformats.org/drawingml/2006/chart" xmlns:dgm="http://schemas.openxmlformats.org/drawingml/2006/diagram" xmlns:o="urn:schemas-microsoft-com:office:office" xmlns:v="urn:schemas-microsoft-com:vml" xmlns:pvml="urn:schemas-microsoft-com:office:powerpoint" xmlns:com="http://schemas.openxmlformats.org/drawingml/2006/compatibility" xmlns:p14="http://schemas.microsoft.com/office/powerpoint/2010/main" xmlns:p15="http://schemas.microsoft.com/office/powerpoint/2012/main" xmlns:ahyp="http://schemas.microsoft.com/office/drawing/2018/hyperlinkcolor" showMasterPhAnim="0" showMasterSp="0">
   <p:cSld>
@@ -2513,7 +2825,42 @@
       </p:grpSpPr>
       <p:sp>
         <p:nvSpPr>
-          <p:cNvPr id="245" name="Google Shape;245;g2a47ed8ae4f_2_105:notes"/>
+          <p:cNvPr id="245" name="Google Shape;245;g31e8724a360_22_10:notes"/>
+          <p:cNvSpPr/>
+          <p:nvPr>
+            <p:ph idx="2" type="sldImg"/>
+          </p:nvPr>
+        </p:nvSpPr>
+        <p:spPr>
+          <a:xfrm>
+            <a:off x="685800" y="1143000"/>
+            <a:ext cx="5486400" cy="3086100"/>
+          </a:xfrm>
+          <a:custGeom>
+            <a:rect b="b" l="l" r="r" t="t"/>
+            <a:pathLst>
+              <a:path extrusionOk="0" h="120000" w="120000">
+                <a:moveTo>
+                  <a:pt x="0" y="0"/>
+                </a:moveTo>
+                <a:lnTo>
+                  <a:pt x="120000" y="0"/>
+                </a:lnTo>
+                <a:lnTo>
+                  <a:pt x="120000" y="120000"/>
+                </a:lnTo>
+                <a:lnTo>
+                  <a:pt x="0" y="120000"/>
+                </a:lnTo>
+                <a:close/>
+              </a:path>
+            </a:pathLst>
+          </a:custGeom>
+        </p:spPr>
+      </p:sp>
+      <p:sp>
+        <p:nvSpPr>
+          <p:cNvPr id="246" name="Google Shape;246;g31e8724a360_22_10:notes"/>
           <p:cNvSpPr txBox="1"/>
           <p:nvPr>
             <p:ph idx="1" type="body"/>
@@ -2552,38 +2899,43 @@
       </p:sp>
       <p:sp>
         <p:nvSpPr>
-          <p:cNvPr id="246" name="Google Shape;246;g2a47ed8ae4f_2_105:notes"/>
-          <p:cNvSpPr/>
+          <p:cNvPr id="247" name="Google Shape;247;g31e8724a360_22_10:notes"/>
+          <p:cNvSpPr txBox="1"/>
           <p:nvPr>
-            <p:ph idx="2" type="sldImg"/>
+            <p:ph idx="12" type="sldNum"/>
           </p:nvPr>
         </p:nvSpPr>
         <p:spPr>
           <a:xfrm>
-            <a:off x="685800" y="1143000"/>
-            <a:ext cx="5486400" cy="3086100"/>
+            <a:off x="3884613" y="8685213"/>
+            <a:ext cx="2971800" cy="458700"/>
           </a:xfrm>
-          <a:custGeom>
-            <a:rect b="b" l="l" r="r" t="t"/>
-            <a:pathLst>
-              <a:path extrusionOk="0" h="120000" w="120000">
-                <a:moveTo>
-                  <a:pt x="0" y="0"/>
-                </a:moveTo>
-                <a:lnTo>
-                  <a:pt x="120000" y="0"/>
-                </a:lnTo>
-                <a:lnTo>
-                  <a:pt x="120000" y="120000"/>
-                </a:lnTo>
-                <a:lnTo>
-                  <a:pt x="0" y="120000"/>
-                </a:lnTo>
-                <a:close/>
-              </a:path>
-            </a:pathLst>
-          </a:custGeom>
+          <a:prstGeom prst="rect">
+            <a:avLst/>
+          </a:prstGeom>
         </p:spPr>
+        <p:txBody>
+          <a:bodyPr anchorCtr="0" anchor="b" bIns="45700" lIns="91425" spcFirstLastPara="1" rIns="91425" wrap="square" tIns="45700">
+            <a:noAutofit/>
+          </a:bodyPr>
+          <a:lstStyle/>
+          <a:p>
+            <a:pPr indent="0" lvl="0" marL="0" rtl="0" algn="r">
+              <a:spcBef>
+                <a:spcPts val="0"/>
+              </a:spcBef>
+              <a:spcAft>
+                <a:spcPts val="0"/>
+              </a:spcAft>
+              <a:buNone/>
+            </a:pPr>
+            <a:fld id="{00000000-1234-1234-1234-123412341234}" type="slidenum">
+              <a:rPr lang="en-US"/>
+              <a:t>‹#›</a:t>
+            </a:fld>
+            <a:endParaRPr/>
+          </a:p>
+        </p:txBody>
       </p:sp>
     </p:spTree>
   </p:cSld>
@@ -2612,7 +2964,7 @@
       </p:grpSpPr>
       <p:sp>
         <p:nvSpPr>
-          <p:cNvPr id="253" name="Google Shape;253;g2a47ed8ae4f_2_9:notes"/>
+          <p:cNvPr id="253" name="Google Shape;253;g31e8724a360_22_1:notes"/>
           <p:cNvSpPr/>
           <p:nvPr>
             <p:ph idx="2" type="sldImg"/>
@@ -2643,21 +2995,11 @@
               </a:path>
             </a:pathLst>
           </a:custGeom>
-          <a:noFill/>
-          <a:ln cap="flat" cmpd="sng" w="12700">
-            <a:solidFill>
-              <a:srgbClr val="000000"/>
-            </a:solidFill>
-            <a:prstDash val="solid"/>
-            <a:round/>
-            <a:headEnd len="sm" w="sm" type="none"/>
-            <a:tailEnd len="sm" w="sm" type="none"/>
-          </a:ln>
         </p:spPr>
       </p:sp>
       <p:sp>
         <p:nvSpPr>
-          <p:cNvPr id="254" name="Google Shape;254;g2a47ed8ae4f_2_9:notes"/>
+          <p:cNvPr id="254" name="Google Shape;254;g31e8724a360_22_1:notes"/>
           <p:cNvSpPr txBox="1"/>
           <p:nvPr>
             <p:ph idx="1" type="body"/>
@@ -2671,10 +3013,6 @@
           <a:prstGeom prst="rect">
             <a:avLst/>
           </a:prstGeom>
-          <a:noFill/>
-          <a:ln>
-            <a:noFill/>
-          </a:ln>
         </p:spPr>
         <p:txBody>
           <a:bodyPr anchorCtr="0" anchor="t" bIns="45700" lIns="91425" spcFirstLastPara="1" rIns="91425" wrap="square" tIns="45700">
@@ -2692,54 +3030,7 @@
               <a:buNone/>
             </a:pPr>
             <a:r>
-              <a:rPr b="0" i="0" lang="en-US" sz="1200">
-                <a:solidFill>
-                  <a:schemeClr val="dk1"/>
-                </a:solidFill>
-                <a:latin typeface="Calibri"/>
-                <a:ea typeface="Calibri"/>
-                <a:cs typeface="Calibri"/>
-                <a:sym typeface="Calibri"/>
-              </a:rPr>
-              <a:t>Photo by </a:t>
-            </a:r>
-            <a:r>
-              <a:rPr b="0" i="0" lang="en-US" sz="1200" u="sng">
-                <a:solidFill>
-                  <a:schemeClr val="hlink"/>
-                </a:solidFill>
-                <a:latin typeface="Calibri"/>
-                <a:ea typeface="Calibri"/>
-                <a:cs typeface="Calibri"/>
-                <a:sym typeface="Calibri"/>
-                <a:hlinkClick r:id="rId2"/>
-              </a:rPr>
-              <a:t>rawpixel</a:t>
-            </a:r>
-            <a:r>
-              <a:rPr b="0" i="0" lang="en-US" sz="1200">
-                <a:solidFill>
-                  <a:schemeClr val="dk1"/>
-                </a:solidFill>
-                <a:latin typeface="Calibri"/>
-                <a:ea typeface="Calibri"/>
-                <a:cs typeface="Calibri"/>
-                <a:sym typeface="Calibri"/>
-              </a:rPr>
-              <a:t> on </a:t>
-            </a:r>
-            <a:r>
-              <a:rPr b="0" i="0" lang="en-US" sz="1200" u="sng">
-                <a:solidFill>
-                  <a:schemeClr val="hlink"/>
-                </a:solidFill>
-                <a:latin typeface="Calibri"/>
-                <a:ea typeface="Calibri"/>
-                <a:cs typeface="Calibri"/>
-                <a:sym typeface="Calibri"/>
-                <a:hlinkClick r:id="rId3"/>
-              </a:rPr>
-              <a:t>Unsplash</a:t>
+              <a:t/>
             </a:r>
             <a:endParaRPr/>
           </a:p>
@@ -2747,7 +3038,7 @@
       </p:sp>
       <p:sp>
         <p:nvSpPr>
-          <p:cNvPr id="255" name="Google Shape;255;g2a47ed8ae4f_2_9:notes"/>
+          <p:cNvPr id="255" name="Google Shape;255;g31e8724a360_22_1:notes"/>
           <p:cNvSpPr txBox="1"/>
           <p:nvPr>
             <p:ph idx="12" type="sldNum"/>
@@ -2761,10 +3052,6 @@
           <a:prstGeom prst="rect">
             <a:avLst/>
           </a:prstGeom>
-          <a:noFill/>
-          <a:ln>
-            <a:noFill/>
-          </a:ln>
         </p:spPr>
         <p:txBody>
           <a:bodyPr anchorCtr="0" anchor="b" bIns="45700" lIns="91425" spcFirstLastPara="1" rIns="91425" wrap="square" tIns="45700">
@@ -2779,6 +3066,10 @@
               <a:spcAft>
                 <a:spcPts val="0"/>
               </a:spcAft>
+              <a:buClr>
+                <a:srgbClr val="000000"/>
+              </a:buClr>
+              <a:buFont typeface="Arial"/>
               <a:buNone/>
             </a:pPr>
             <a:fld id="{00000000-1234-1234-1234-123412341234}" type="slidenum">
@@ -15092,6 +15383,1259 @@
 </p:sld>
 </file>
 
+<file path=ppt/slides/slide10.xml><?xml version="1.0" encoding="utf-8"?>
+<p:sld xmlns:a="http://schemas.openxmlformats.org/drawingml/2006/main" xmlns:r="http://schemas.openxmlformats.org/officeDocument/2006/relationships" xmlns:mc="http://schemas.openxmlformats.org/markup-compatibility/2006" xmlns:mv="urn:schemas-microsoft-com:mac:vml" xmlns:p="http://schemas.openxmlformats.org/presentationml/2006/main" xmlns:c="http://schemas.openxmlformats.org/drawingml/2006/chart" xmlns:dgm="http://schemas.openxmlformats.org/drawingml/2006/diagram" xmlns:o="urn:schemas-microsoft-com:office:office" xmlns:v="urn:schemas-microsoft-com:vml" xmlns:pvml="urn:schemas-microsoft-com:office:powerpoint" xmlns:com="http://schemas.openxmlformats.org/drawingml/2006/compatibility" xmlns:p14="http://schemas.microsoft.com/office/powerpoint/2010/main" xmlns:p15="http://schemas.microsoft.com/office/powerpoint/2012/main" xmlns:ahyp="http://schemas.microsoft.com/office/drawing/2018/hyperlinkcolor">
+  <p:cSld>
+    <p:spTree>
+      <p:nvGrpSpPr>
+        <p:cNvPr id="263" name="Shape 263"/>
+        <p:cNvGrpSpPr/>
+        <p:nvPr/>
+      </p:nvGrpSpPr>
+      <p:grpSpPr>
+        <a:xfrm>
+          <a:off x="0" y="0"/>
+          <a:ext cx="0" cy="0"/>
+          <a:chOff x="0" y="0"/>
+          <a:chExt cx="0" cy="0"/>
+        </a:xfrm>
+      </p:grpSpPr>
+      <p:sp>
+        <p:nvSpPr>
+          <p:cNvPr id="264" name="Google Shape;264;p22"/>
+          <p:cNvSpPr txBox="1"/>
+          <p:nvPr>
+            <p:ph idx="12" type="sldNum"/>
+          </p:nvPr>
+        </p:nvSpPr>
+        <p:spPr>
+          <a:xfrm>
+            <a:off x="8610600" y="6356350"/>
+            <a:ext cx="2743200" cy="365100"/>
+          </a:xfrm>
+          <a:prstGeom prst="rect">
+            <a:avLst/>
+          </a:prstGeom>
+          <a:noFill/>
+          <a:ln>
+            <a:noFill/>
+          </a:ln>
+        </p:spPr>
+        <p:txBody>
+          <a:bodyPr anchorCtr="0" anchor="ctr" bIns="45700" lIns="91425" spcFirstLastPara="1" rIns="91425" wrap="square" tIns="45700">
+            <a:noAutofit/>
+          </a:bodyPr>
+          <a:lstStyle/>
+          <a:p>
+            <a:pPr indent="0" lvl="0" marL="0" rtl="0" algn="r">
+              <a:spcBef>
+                <a:spcPts val="0"/>
+              </a:spcBef>
+              <a:spcAft>
+                <a:spcPts val="0"/>
+              </a:spcAft>
+              <a:buNone/>
+            </a:pPr>
+            <a:fld id="{00000000-1234-1234-1234-123412341234}" type="slidenum">
+              <a:rPr lang="en-US"/>
+              <a:t>‹#›</a:t>
+            </a:fld>
+            <a:endParaRPr/>
+          </a:p>
+        </p:txBody>
+      </p:sp>
+      <p:sp>
+        <p:nvSpPr>
+          <p:cNvPr id="265" name="Google Shape;265;p22"/>
+          <p:cNvSpPr txBox="1"/>
+          <p:nvPr>
+            <p:ph idx="4294967295" type="title"/>
+          </p:nvPr>
+        </p:nvSpPr>
+        <p:spPr>
+          <a:xfrm>
+            <a:off x="838200" y="365125"/>
+            <a:ext cx="10515600" cy="609300"/>
+          </a:xfrm>
+          <a:prstGeom prst="rect">
+            <a:avLst/>
+          </a:prstGeom>
+          <a:noFill/>
+          <a:ln>
+            <a:noFill/>
+          </a:ln>
+        </p:spPr>
+        <p:txBody>
+          <a:bodyPr anchorCtr="0" anchor="t" bIns="0" lIns="0" spcFirstLastPara="1" rIns="0" wrap="square" tIns="0">
+            <a:noAutofit/>
+          </a:bodyPr>
+          <a:lstStyle/>
+          <a:p>
+            <a:pPr indent="0" lvl="0" marL="0" rtl="0" algn="l">
+              <a:lnSpc>
+                <a:spcPct val="90000"/>
+              </a:lnSpc>
+              <a:spcBef>
+                <a:spcPts val="0"/>
+              </a:spcBef>
+              <a:spcAft>
+                <a:spcPts val="0"/>
+              </a:spcAft>
+              <a:buClr>
+                <a:schemeClr val="dk1"/>
+              </a:buClr>
+              <a:buSzPts val="4400"/>
+              <a:buFont typeface="Questrial"/>
+              <a:buNone/>
+            </a:pPr>
+            <a:r>
+              <a:rPr lang="en-US">
+                <a:latin typeface="Calibri"/>
+                <a:ea typeface="Calibri"/>
+                <a:cs typeface="Calibri"/>
+                <a:sym typeface="Calibri"/>
+              </a:rPr>
+              <a:t>Conclusion</a:t>
+            </a:r>
+            <a:endParaRPr>
+              <a:latin typeface="Calibri"/>
+              <a:ea typeface="Calibri"/>
+              <a:cs typeface="Calibri"/>
+              <a:sym typeface="Calibri"/>
+            </a:endParaRPr>
+          </a:p>
+        </p:txBody>
+      </p:sp>
+      <p:sp>
+        <p:nvSpPr>
+          <p:cNvPr id="266" name="Google Shape;266;p22"/>
+          <p:cNvSpPr txBox="1"/>
+          <p:nvPr/>
+        </p:nvSpPr>
+        <p:spPr>
+          <a:xfrm>
+            <a:off x="838200" y="1198200"/>
+            <a:ext cx="10080600" cy="5148600"/>
+          </a:xfrm>
+          <a:prstGeom prst="rect">
+            <a:avLst/>
+          </a:prstGeom>
+          <a:noFill/>
+          <a:ln>
+            <a:noFill/>
+          </a:ln>
+        </p:spPr>
+        <p:txBody>
+          <a:bodyPr anchorCtr="0" anchor="t" bIns="91425" lIns="91425" spcFirstLastPara="1" rIns="91425" wrap="square" tIns="91425">
+            <a:spAutoFit/>
+          </a:bodyPr>
+          <a:lstStyle/>
+          <a:p>
+            <a:pPr indent="-361950" lvl="0" marL="457200" rtl="0" algn="l">
+              <a:lnSpc>
+                <a:spcPct val="115000"/>
+              </a:lnSpc>
+              <a:spcBef>
+                <a:spcPts val="1200"/>
+              </a:spcBef>
+              <a:spcAft>
+                <a:spcPts val="0"/>
+              </a:spcAft>
+              <a:buClr>
+                <a:schemeClr val="dk1"/>
+              </a:buClr>
+              <a:buSzPts val="2100"/>
+              <a:buFont typeface="Calibri"/>
+              <a:buChar char="●"/>
+            </a:pPr>
+            <a:r>
+              <a:rPr lang="en-US" sz="2100">
+                <a:solidFill>
+                  <a:schemeClr val="dk1"/>
+                </a:solidFill>
+                <a:latin typeface="Calibri"/>
+                <a:ea typeface="Calibri"/>
+                <a:cs typeface="Calibri"/>
+                <a:sym typeface="Calibri"/>
+              </a:rPr>
+              <a:t>Cleaned and merged datasets for a comprehensive analysis.</a:t>
+            </a:r>
+            <a:endParaRPr sz="2100">
+              <a:solidFill>
+                <a:schemeClr val="dk1"/>
+              </a:solidFill>
+              <a:latin typeface="Calibri"/>
+              <a:ea typeface="Calibri"/>
+              <a:cs typeface="Calibri"/>
+              <a:sym typeface="Calibri"/>
+            </a:endParaRPr>
+          </a:p>
+          <a:p>
+            <a:pPr indent="-361950" lvl="0" marL="457200" rtl="0" algn="l">
+              <a:lnSpc>
+                <a:spcPct val="115000"/>
+              </a:lnSpc>
+              <a:spcBef>
+                <a:spcPts val="1000"/>
+              </a:spcBef>
+              <a:spcAft>
+                <a:spcPts val="0"/>
+              </a:spcAft>
+              <a:buClr>
+                <a:schemeClr val="dk1"/>
+              </a:buClr>
+              <a:buSzPts val="2100"/>
+              <a:buFont typeface="Calibri"/>
+              <a:buChar char="●"/>
+            </a:pPr>
+            <a:r>
+              <a:rPr lang="en-US" sz="2100">
+                <a:solidFill>
+                  <a:schemeClr val="dk1"/>
+                </a:solidFill>
+                <a:latin typeface="Calibri"/>
+                <a:ea typeface="Calibri"/>
+                <a:cs typeface="Calibri"/>
+                <a:sym typeface="Calibri"/>
+              </a:rPr>
+              <a:t>Identified patterns in service usage, incident rates, and revenue generation.</a:t>
+            </a:r>
+            <a:endParaRPr sz="2100">
+              <a:solidFill>
+                <a:schemeClr val="dk1"/>
+              </a:solidFill>
+              <a:latin typeface="Calibri"/>
+              <a:ea typeface="Calibri"/>
+              <a:cs typeface="Calibri"/>
+              <a:sym typeface="Calibri"/>
+            </a:endParaRPr>
+          </a:p>
+          <a:p>
+            <a:pPr indent="-361950" lvl="1" marL="914400" rtl="0" algn="l">
+              <a:lnSpc>
+                <a:spcPct val="115000"/>
+              </a:lnSpc>
+              <a:spcBef>
+                <a:spcPts val="1000"/>
+              </a:spcBef>
+              <a:spcAft>
+                <a:spcPts val="0"/>
+              </a:spcAft>
+              <a:buClr>
+                <a:schemeClr val="dk1"/>
+              </a:buClr>
+              <a:buSzPts val="2100"/>
+              <a:buFont typeface="Calibri"/>
+              <a:buChar char="○"/>
+            </a:pPr>
+            <a:r>
+              <a:rPr lang="en-US" sz="2100">
+                <a:solidFill>
+                  <a:schemeClr val="dk1"/>
+                </a:solidFill>
+                <a:latin typeface="Calibri"/>
+                <a:ea typeface="Calibri"/>
+                <a:cs typeface="Calibri"/>
+                <a:sym typeface="Calibri"/>
+              </a:rPr>
+              <a:t>Developed a new metric focused on instant payment efficiency and monthly cohorts.</a:t>
+            </a:r>
+            <a:endParaRPr sz="2100">
+              <a:solidFill>
+                <a:schemeClr val="dk1"/>
+              </a:solidFill>
+              <a:latin typeface="Calibri"/>
+              <a:ea typeface="Calibri"/>
+              <a:cs typeface="Calibri"/>
+              <a:sym typeface="Calibri"/>
+            </a:endParaRPr>
+          </a:p>
+          <a:p>
+            <a:pPr indent="-361950" lvl="1" marL="914400" rtl="0" algn="l">
+              <a:lnSpc>
+                <a:spcPct val="115000"/>
+              </a:lnSpc>
+              <a:spcBef>
+                <a:spcPts val="1000"/>
+              </a:spcBef>
+              <a:spcAft>
+                <a:spcPts val="0"/>
+              </a:spcAft>
+              <a:buClr>
+                <a:schemeClr val="dk1"/>
+              </a:buClr>
+              <a:buSzPts val="2100"/>
+              <a:buFont typeface="Calibri"/>
+              <a:buChar char="○"/>
+            </a:pPr>
+            <a:r>
+              <a:rPr lang="en-US" sz="2100">
+                <a:solidFill>
+                  <a:schemeClr val="dk1"/>
+                </a:solidFill>
+                <a:latin typeface="Calibri"/>
+                <a:ea typeface="Calibri"/>
+                <a:cs typeface="Calibri"/>
+                <a:sym typeface="Calibri"/>
+              </a:rPr>
+              <a:t>Observed a rise in instant payment acceptance, correlating with client growth.</a:t>
+            </a:r>
+            <a:endParaRPr sz="2100">
+              <a:solidFill>
+                <a:schemeClr val="dk1"/>
+              </a:solidFill>
+              <a:latin typeface="Calibri"/>
+              <a:ea typeface="Calibri"/>
+              <a:cs typeface="Calibri"/>
+              <a:sym typeface="Calibri"/>
+            </a:endParaRPr>
+          </a:p>
+          <a:p>
+            <a:pPr indent="-361950" lvl="1" marL="914400" rtl="0" algn="l">
+              <a:lnSpc>
+                <a:spcPct val="115000"/>
+              </a:lnSpc>
+              <a:spcBef>
+                <a:spcPts val="1000"/>
+              </a:spcBef>
+              <a:spcAft>
+                <a:spcPts val="0"/>
+              </a:spcAft>
+              <a:buClr>
+                <a:schemeClr val="dk1"/>
+              </a:buClr>
+              <a:buSzPts val="2100"/>
+              <a:buFont typeface="Calibri"/>
+              <a:buChar char="○"/>
+            </a:pPr>
+            <a:r>
+              <a:rPr lang="en-US" sz="2100">
+                <a:solidFill>
+                  <a:schemeClr val="dk1"/>
+                </a:solidFill>
+                <a:latin typeface="Calibri"/>
+                <a:ea typeface="Calibri"/>
+                <a:cs typeface="Calibri"/>
+                <a:sym typeface="Calibri"/>
+              </a:rPr>
+              <a:t>Detected seasonal peaks in service usage during late-year holidays.</a:t>
+            </a:r>
+            <a:endParaRPr sz="2100">
+              <a:solidFill>
+                <a:schemeClr val="dk1"/>
+              </a:solidFill>
+              <a:latin typeface="Calibri"/>
+              <a:ea typeface="Calibri"/>
+              <a:cs typeface="Calibri"/>
+              <a:sym typeface="Calibri"/>
+            </a:endParaRPr>
+          </a:p>
+          <a:p>
+            <a:pPr indent="-361950" lvl="1" marL="914400" rtl="0" algn="l">
+              <a:lnSpc>
+                <a:spcPct val="115000"/>
+              </a:lnSpc>
+              <a:spcBef>
+                <a:spcPts val="1000"/>
+              </a:spcBef>
+              <a:spcAft>
+                <a:spcPts val="0"/>
+              </a:spcAft>
+              <a:buClr>
+                <a:schemeClr val="dk1"/>
+              </a:buClr>
+              <a:buSzPts val="2100"/>
+              <a:buFont typeface="Calibri"/>
+              <a:buChar char="○"/>
+            </a:pPr>
+            <a:r>
+              <a:rPr lang="en-US" sz="2100">
+                <a:solidFill>
+                  <a:schemeClr val="dk1"/>
+                </a:solidFill>
+                <a:latin typeface="Calibri"/>
+                <a:ea typeface="Calibri"/>
+                <a:cs typeface="Calibri"/>
+                <a:sym typeface="Calibri"/>
+              </a:rPr>
+              <a:t>Detected m</a:t>
+            </a:r>
+            <a:r>
+              <a:rPr lang="en-US" sz="2100">
+                <a:solidFill>
+                  <a:schemeClr val="dk1"/>
+                </a:solidFill>
+                <a:latin typeface="Calibri"/>
+                <a:ea typeface="Calibri"/>
+                <a:cs typeface="Calibri"/>
+                <a:sym typeface="Calibri"/>
+              </a:rPr>
+              <a:t>ore effort than necessary is being invested in transaction.</a:t>
+            </a:r>
+            <a:endParaRPr sz="2100">
+              <a:solidFill>
+                <a:schemeClr val="dk1"/>
+              </a:solidFill>
+              <a:latin typeface="Calibri"/>
+              <a:ea typeface="Calibri"/>
+              <a:cs typeface="Calibri"/>
+              <a:sym typeface="Calibri"/>
+            </a:endParaRPr>
+          </a:p>
+          <a:p>
+            <a:pPr indent="-361950" lvl="0" marL="457200" rtl="0" algn="l">
+              <a:lnSpc>
+                <a:spcPct val="115000"/>
+              </a:lnSpc>
+              <a:spcBef>
+                <a:spcPts val="1000"/>
+              </a:spcBef>
+              <a:spcAft>
+                <a:spcPts val="0"/>
+              </a:spcAft>
+              <a:buClr>
+                <a:schemeClr val="dk1"/>
+              </a:buClr>
+              <a:buSzPts val="2100"/>
+              <a:buFont typeface="Calibri"/>
+              <a:buChar char="●"/>
+            </a:pPr>
+            <a:r>
+              <a:rPr lang="en-US" sz="2100">
+                <a:solidFill>
+                  <a:schemeClr val="dk1"/>
+                </a:solidFill>
+                <a:latin typeface="Calibri"/>
+                <a:ea typeface="Calibri"/>
+                <a:cs typeface="Calibri"/>
+                <a:sym typeface="Calibri"/>
+              </a:rPr>
+              <a:t>Recommended prioritizing holiday marketing or incentive programs for instant payments to boost profitability.</a:t>
+            </a:r>
+            <a:endParaRPr sz="2100">
+              <a:solidFill>
+                <a:schemeClr val="dk1"/>
+              </a:solidFill>
+              <a:latin typeface="Calibri"/>
+              <a:ea typeface="Calibri"/>
+              <a:cs typeface="Calibri"/>
+              <a:sym typeface="Calibri"/>
+            </a:endParaRPr>
+          </a:p>
+          <a:p>
+            <a:pPr indent="-361950" lvl="0" marL="457200" rtl="0" algn="l">
+              <a:lnSpc>
+                <a:spcPct val="115000"/>
+              </a:lnSpc>
+              <a:spcBef>
+                <a:spcPts val="1200"/>
+              </a:spcBef>
+              <a:spcAft>
+                <a:spcPts val="1000"/>
+              </a:spcAft>
+              <a:buClr>
+                <a:schemeClr val="dk1"/>
+              </a:buClr>
+              <a:buSzPts val="2100"/>
+              <a:buFont typeface="Calibri"/>
+              <a:buChar char="●"/>
+            </a:pPr>
+            <a:r>
+              <a:rPr lang="en-US" sz="2100">
+                <a:solidFill>
+                  <a:schemeClr val="dk1"/>
+                </a:solidFill>
+                <a:latin typeface="Calibri"/>
+                <a:ea typeface="Calibri"/>
+                <a:cs typeface="Calibri"/>
+                <a:sym typeface="Calibri"/>
+              </a:rPr>
+              <a:t>Suggested extracting client location data to identify top-performing regions and demographics.</a:t>
+            </a:r>
+            <a:endParaRPr sz="2100">
+              <a:solidFill>
+                <a:schemeClr val="dk1"/>
+              </a:solidFill>
+              <a:latin typeface="Calibri"/>
+              <a:ea typeface="Calibri"/>
+              <a:cs typeface="Calibri"/>
+              <a:sym typeface="Calibri"/>
+            </a:endParaRPr>
+          </a:p>
+        </p:txBody>
+      </p:sp>
+    </p:spTree>
+  </p:cSld>
+  <p:clrMapOvr>
+    <a:masterClrMapping/>
+  </p:clrMapOvr>
+</p:sld>
+</file>
+
+<file path=ppt/slides/slide11.xml><?xml version="1.0" encoding="utf-8"?>
+<p:sld xmlns:a="http://schemas.openxmlformats.org/drawingml/2006/main" xmlns:r="http://schemas.openxmlformats.org/officeDocument/2006/relationships" xmlns:mc="http://schemas.openxmlformats.org/markup-compatibility/2006" xmlns:mv="urn:schemas-microsoft-com:mac:vml" xmlns:p="http://schemas.openxmlformats.org/presentationml/2006/main" xmlns:c="http://schemas.openxmlformats.org/drawingml/2006/chart" xmlns:dgm="http://schemas.openxmlformats.org/drawingml/2006/diagram" xmlns:o="urn:schemas-microsoft-com:office:office" xmlns:v="urn:schemas-microsoft-com:vml" xmlns:pvml="urn:schemas-microsoft-com:office:powerpoint" xmlns:com="http://schemas.openxmlformats.org/drawingml/2006/compatibility" xmlns:p14="http://schemas.microsoft.com/office/powerpoint/2010/main" xmlns:p15="http://schemas.microsoft.com/office/powerpoint/2012/main" xmlns:ahyp="http://schemas.microsoft.com/office/drawing/2018/hyperlinkcolor">
+  <p:cSld>
+    <p:bg>
+      <p:bgPr>
+        <a:blipFill>
+          <a:blip r:embed="rId3">
+            <a:alphaModFix/>
+          </a:blip>
+          <a:stretch>
+            <a:fillRect/>
+          </a:stretch>
+        </a:blipFill>
+      </p:bgPr>
+    </p:bg>
+    <p:spTree>
+      <p:nvGrpSpPr>
+        <p:cNvPr id="271" name="Shape 271"/>
+        <p:cNvGrpSpPr/>
+        <p:nvPr/>
+      </p:nvGrpSpPr>
+      <p:grpSpPr>
+        <a:xfrm>
+          <a:off x="0" y="0"/>
+          <a:ext cx="0" cy="0"/>
+          <a:chOff x="0" y="0"/>
+          <a:chExt cx="0" cy="0"/>
+        </a:xfrm>
+      </p:grpSpPr>
+      <p:sp>
+        <p:nvSpPr>
+          <p:cNvPr id="272" name="Google Shape;272;p23"/>
+          <p:cNvSpPr/>
+          <p:nvPr/>
+        </p:nvSpPr>
+        <p:spPr>
+          <a:xfrm>
+            <a:off x="0" y="0"/>
+            <a:ext cx="12192000" cy="6858000"/>
+          </a:xfrm>
+          <a:prstGeom prst="rect">
+            <a:avLst/>
+          </a:prstGeom>
+          <a:solidFill>
+            <a:schemeClr val="dk1">
+              <a:alpha val="80000"/>
+            </a:schemeClr>
+          </a:solidFill>
+          <a:ln>
+            <a:noFill/>
+          </a:ln>
+        </p:spPr>
+        <p:txBody>
+          <a:bodyPr anchorCtr="0" anchor="ctr" bIns="45700" lIns="91425" spcFirstLastPara="1" rIns="91425" wrap="square" tIns="45700">
+            <a:noAutofit/>
+          </a:bodyPr>
+          <a:lstStyle/>
+          <a:p>
+            <a:pPr indent="0" lvl="0" marL="0" marR="0" rtl="0" algn="ctr">
+              <a:spcBef>
+                <a:spcPts val="0"/>
+              </a:spcBef>
+              <a:spcAft>
+                <a:spcPts val="0"/>
+              </a:spcAft>
+              <a:buNone/>
+            </a:pPr>
+            <a:r>
+              <a:t/>
+            </a:r>
+            <a:endParaRPr b="0" i="0" sz="1800" u="none" cap="none" strike="noStrike">
+              <a:solidFill>
+                <a:schemeClr val="lt1"/>
+              </a:solidFill>
+              <a:latin typeface="Rockwell"/>
+              <a:ea typeface="Rockwell"/>
+              <a:cs typeface="Rockwell"/>
+              <a:sym typeface="Rockwell"/>
+            </a:endParaRPr>
+          </a:p>
+        </p:txBody>
+      </p:sp>
+      <p:sp>
+        <p:nvSpPr>
+          <p:cNvPr id="273" name="Google Shape;273;p23"/>
+          <p:cNvSpPr/>
+          <p:nvPr/>
+        </p:nvSpPr>
+        <p:spPr>
+          <a:xfrm>
+            <a:off x="3489325" y="0"/>
+            <a:ext cx="5213400" cy="6858000"/>
+          </a:xfrm>
+          <a:prstGeom prst="parallelogram">
+            <a:avLst>
+              <a:gd fmla="val 25000" name="adj"/>
+            </a:avLst>
+          </a:prstGeom>
+          <a:solidFill>
+            <a:schemeClr val="lt1">
+              <a:alpha val="20000"/>
+            </a:schemeClr>
+          </a:solidFill>
+          <a:ln>
+            <a:noFill/>
+          </a:ln>
+        </p:spPr>
+        <p:txBody>
+          <a:bodyPr anchorCtr="0" anchor="ctr" bIns="45700" lIns="91425" spcFirstLastPara="1" rIns="91425" wrap="square" tIns="45700">
+            <a:noAutofit/>
+          </a:bodyPr>
+          <a:lstStyle/>
+          <a:p>
+            <a:pPr indent="0" lvl="0" marL="0" marR="0" rtl="0" algn="ctr">
+              <a:spcBef>
+                <a:spcPts val="0"/>
+              </a:spcBef>
+              <a:spcAft>
+                <a:spcPts val="0"/>
+              </a:spcAft>
+              <a:buNone/>
+            </a:pPr>
+            <a:r>
+              <a:t/>
+            </a:r>
+            <a:endParaRPr b="0" i="0" sz="1800" u="none" cap="none" strike="noStrike">
+              <a:solidFill>
+                <a:schemeClr val="lt1"/>
+              </a:solidFill>
+              <a:latin typeface="Rockwell"/>
+              <a:ea typeface="Rockwell"/>
+              <a:cs typeface="Rockwell"/>
+              <a:sym typeface="Rockwell"/>
+            </a:endParaRPr>
+          </a:p>
+        </p:txBody>
+      </p:sp>
+      <p:grpSp>
+        <p:nvGrpSpPr>
+          <p:cNvPr id="274" name="Google Shape;274;p23"/>
+          <p:cNvGrpSpPr/>
+          <p:nvPr/>
+        </p:nvGrpSpPr>
+        <p:grpSpPr>
+          <a:xfrm>
+            <a:off x="3117979" y="368894"/>
+            <a:ext cx="6161093" cy="6146902"/>
+            <a:chOff x="3117850" y="450850"/>
+            <a:chExt cx="5956200" cy="5956300"/>
+          </a:xfrm>
+        </p:grpSpPr>
+        <p:sp>
+          <p:nvSpPr>
+            <p:cNvPr id="275" name="Google Shape;275;p23"/>
+            <p:cNvSpPr/>
+            <p:nvPr/>
+          </p:nvSpPr>
+          <p:spPr>
+            <a:xfrm>
+              <a:off x="3117850" y="450850"/>
+              <a:ext cx="5956200" cy="5956200"/>
+            </a:xfrm>
+            <a:prstGeom prst="arc">
+              <a:avLst>
+                <a:gd fmla="val 11294463" name="adj1"/>
+                <a:gd fmla="val 21113174" name="adj2"/>
+              </a:avLst>
+            </a:prstGeom>
+            <a:noFill/>
+            <a:ln cap="rnd" cmpd="sng" w="25400">
+              <a:solidFill>
+                <a:schemeClr val="accent4"/>
+              </a:solidFill>
+              <a:prstDash val="solid"/>
+              <a:miter lim="800000"/>
+              <a:headEnd len="sm" w="sm" type="none"/>
+              <a:tailEnd len="sm" w="sm" type="none"/>
+            </a:ln>
+          </p:spPr>
+          <p:txBody>
+            <a:bodyPr anchorCtr="0" anchor="ctr" bIns="45700" lIns="91425" spcFirstLastPara="1" rIns="91425" wrap="square" tIns="45700">
+              <a:noAutofit/>
+            </a:bodyPr>
+            <a:lstStyle/>
+            <a:p>
+              <a:pPr indent="0" lvl="0" marL="0" marR="0" rtl="0" algn="ctr">
+                <a:spcBef>
+                  <a:spcPts val="0"/>
+                </a:spcBef>
+                <a:spcAft>
+                  <a:spcPts val="0"/>
+                </a:spcAft>
+                <a:buNone/>
+              </a:pPr>
+              <a:r>
+                <a:t/>
+              </a:r>
+              <a:endParaRPr b="0" i="0" sz="1800" u="none" cap="none" strike="noStrike">
+                <a:solidFill>
+                  <a:schemeClr val="lt1"/>
+                </a:solidFill>
+                <a:latin typeface="Rockwell"/>
+                <a:ea typeface="Rockwell"/>
+                <a:cs typeface="Rockwell"/>
+                <a:sym typeface="Rockwell"/>
+              </a:endParaRPr>
+            </a:p>
+          </p:txBody>
+        </p:sp>
+        <p:sp>
+          <p:nvSpPr>
+            <p:cNvPr id="276" name="Google Shape;276;p23"/>
+            <p:cNvSpPr/>
+            <p:nvPr/>
+          </p:nvSpPr>
+          <p:spPr>
+            <a:xfrm flipH="1" rot="10800000">
+              <a:off x="3117850" y="450950"/>
+              <a:ext cx="5956200" cy="5956200"/>
+            </a:xfrm>
+            <a:prstGeom prst="arc">
+              <a:avLst>
+                <a:gd fmla="val 11294463" name="adj1"/>
+                <a:gd fmla="val 21113174" name="adj2"/>
+              </a:avLst>
+            </a:prstGeom>
+            <a:noFill/>
+            <a:ln cap="rnd" cmpd="sng" w="25400">
+              <a:solidFill>
+                <a:schemeClr val="accent4"/>
+              </a:solidFill>
+              <a:prstDash val="solid"/>
+              <a:miter lim="800000"/>
+              <a:headEnd len="sm" w="sm" type="none"/>
+              <a:tailEnd len="sm" w="sm" type="none"/>
+            </a:ln>
+          </p:spPr>
+          <p:txBody>
+            <a:bodyPr anchorCtr="0" anchor="ctr" bIns="45700" lIns="91425" spcFirstLastPara="1" rIns="91425" wrap="square" tIns="45700">
+              <a:noAutofit/>
+            </a:bodyPr>
+            <a:lstStyle/>
+            <a:p>
+              <a:pPr indent="0" lvl="0" marL="0" marR="0" rtl="0" algn="ctr">
+                <a:spcBef>
+                  <a:spcPts val="0"/>
+                </a:spcBef>
+                <a:spcAft>
+                  <a:spcPts val="0"/>
+                </a:spcAft>
+                <a:buNone/>
+              </a:pPr>
+              <a:r>
+                <a:t/>
+              </a:r>
+              <a:endParaRPr b="0" i="0" sz="1800" u="none" cap="none" strike="noStrike">
+                <a:solidFill>
+                  <a:schemeClr val="lt1"/>
+                </a:solidFill>
+                <a:latin typeface="Rockwell"/>
+                <a:ea typeface="Rockwell"/>
+                <a:cs typeface="Rockwell"/>
+                <a:sym typeface="Rockwell"/>
+              </a:endParaRPr>
+            </a:p>
+          </p:txBody>
+        </p:sp>
+      </p:grpSp>
+      <p:sp>
+        <p:nvSpPr>
+          <p:cNvPr id="277" name="Google Shape;277;p23"/>
+          <p:cNvSpPr txBox="1"/>
+          <p:nvPr/>
+        </p:nvSpPr>
+        <p:spPr>
+          <a:xfrm>
+            <a:off x="1042425" y="1242300"/>
+            <a:ext cx="10312200" cy="923100"/>
+          </a:xfrm>
+          <a:prstGeom prst="rect">
+            <a:avLst/>
+          </a:prstGeom>
+          <a:noFill/>
+          <a:ln>
+            <a:noFill/>
+          </a:ln>
+        </p:spPr>
+        <p:txBody>
+          <a:bodyPr anchorCtr="0" anchor="ctr" bIns="0" lIns="0" spcFirstLastPara="1" rIns="0" wrap="square" tIns="0">
+            <a:noAutofit/>
+          </a:bodyPr>
+          <a:lstStyle/>
+          <a:p>
+            <a:pPr indent="0" lvl="0" marL="0" marR="0" rtl="0" algn="ctr">
+              <a:lnSpc>
+                <a:spcPct val="90000"/>
+              </a:lnSpc>
+              <a:spcBef>
+                <a:spcPts val="0"/>
+              </a:spcBef>
+              <a:spcAft>
+                <a:spcPts val="0"/>
+              </a:spcAft>
+              <a:buClr>
+                <a:schemeClr val="lt1"/>
+              </a:buClr>
+              <a:buSzPts val="6600"/>
+              <a:buFont typeface="Questrial"/>
+              <a:buNone/>
+            </a:pPr>
+            <a:r>
+              <a:rPr lang="en-US" sz="5800">
+                <a:solidFill>
+                  <a:schemeClr val="lt1"/>
+                </a:solidFill>
+                <a:latin typeface="Calibri"/>
+                <a:ea typeface="Calibri"/>
+                <a:cs typeface="Calibri"/>
+                <a:sym typeface="Calibri"/>
+              </a:rPr>
+              <a:t>Cohort Analysis for IronHack Payments</a:t>
+            </a:r>
+            <a:endParaRPr sz="600">
+              <a:latin typeface="Calibri"/>
+              <a:ea typeface="Calibri"/>
+              <a:cs typeface="Calibri"/>
+              <a:sym typeface="Calibri"/>
+            </a:endParaRPr>
+          </a:p>
+        </p:txBody>
+      </p:sp>
+      <p:sp>
+        <p:nvSpPr>
+          <p:cNvPr id="278" name="Google Shape;278;p23"/>
+          <p:cNvSpPr/>
+          <p:nvPr/>
+        </p:nvSpPr>
+        <p:spPr>
+          <a:xfrm>
+            <a:off x="5836625" y="2720036"/>
+            <a:ext cx="723900" cy="45600"/>
+          </a:xfrm>
+          <a:prstGeom prst="rect">
+            <a:avLst/>
+          </a:prstGeom>
+          <a:solidFill>
+            <a:schemeClr val="accent4"/>
+          </a:solidFill>
+          <a:ln>
+            <a:noFill/>
+          </a:ln>
+        </p:spPr>
+        <p:txBody>
+          <a:bodyPr anchorCtr="0" anchor="ctr" bIns="45700" lIns="91425" spcFirstLastPara="1" rIns="91425" wrap="square" tIns="45700">
+            <a:noAutofit/>
+          </a:bodyPr>
+          <a:lstStyle/>
+          <a:p>
+            <a:pPr indent="0" lvl="0" marL="0" marR="0" rtl="0" algn="ctr">
+              <a:spcBef>
+                <a:spcPts val="0"/>
+              </a:spcBef>
+              <a:spcAft>
+                <a:spcPts val="0"/>
+              </a:spcAft>
+              <a:buNone/>
+            </a:pPr>
+            <a:r>
+              <a:t/>
+            </a:r>
+            <a:endParaRPr b="0" i="0" sz="1800" u="none" cap="none" strike="noStrike">
+              <a:solidFill>
+                <a:schemeClr val="lt1"/>
+              </a:solidFill>
+              <a:latin typeface="Rockwell"/>
+              <a:ea typeface="Rockwell"/>
+              <a:cs typeface="Rockwell"/>
+              <a:sym typeface="Rockwell"/>
+            </a:endParaRPr>
+          </a:p>
+        </p:txBody>
+      </p:sp>
+      <p:sp>
+        <p:nvSpPr>
+          <p:cNvPr id="279" name="Google Shape;279;p23"/>
+          <p:cNvSpPr txBox="1"/>
+          <p:nvPr/>
+        </p:nvSpPr>
+        <p:spPr>
+          <a:xfrm>
+            <a:off x="3988775" y="4610825"/>
+            <a:ext cx="4498200" cy="1489200"/>
+          </a:xfrm>
+          <a:prstGeom prst="rect">
+            <a:avLst/>
+          </a:prstGeom>
+          <a:noFill/>
+          <a:ln>
+            <a:noFill/>
+          </a:ln>
+        </p:spPr>
+        <p:txBody>
+          <a:bodyPr anchorCtr="0" anchor="t" bIns="0" lIns="0" spcFirstLastPara="1" rIns="0" wrap="square" tIns="0">
+            <a:noAutofit/>
+          </a:bodyPr>
+          <a:lstStyle/>
+          <a:p>
+            <a:pPr indent="0" lvl="0" marL="0" marR="0" rtl="0" algn="ctr">
+              <a:spcBef>
+                <a:spcPts val="0"/>
+              </a:spcBef>
+              <a:spcAft>
+                <a:spcPts val="0"/>
+              </a:spcAft>
+              <a:buNone/>
+            </a:pPr>
+            <a:r>
+              <a:rPr lang="en-US" sz="1500">
+                <a:solidFill>
+                  <a:schemeClr val="lt1"/>
+                </a:solidFill>
+                <a:latin typeface="Calibri"/>
+                <a:ea typeface="Calibri"/>
+                <a:cs typeface="Calibri"/>
+                <a:sym typeface="Calibri"/>
+              </a:rPr>
+              <a:t>by: </a:t>
+            </a:r>
+            <a:endParaRPr sz="1500">
+              <a:solidFill>
+                <a:schemeClr val="lt1"/>
+              </a:solidFill>
+              <a:latin typeface="Calibri"/>
+              <a:ea typeface="Calibri"/>
+              <a:cs typeface="Calibri"/>
+              <a:sym typeface="Calibri"/>
+            </a:endParaRPr>
+          </a:p>
+          <a:p>
+            <a:pPr indent="0" lvl="0" marL="0" rtl="0" algn="ctr">
+              <a:spcBef>
+                <a:spcPts val="0"/>
+              </a:spcBef>
+              <a:spcAft>
+                <a:spcPts val="0"/>
+              </a:spcAft>
+              <a:buClr>
+                <a:schemeClr val="dk1"/>
+              </a:buClr>
+              <a:buFont typeface="Arial"/>
+              <a:buNone/>
+            </a:pPr>
+            <a:r>
+              <a:rPr lang="en-US">
+                <a:solidFill>
+                  <a:schemeClr val="lt1"/>
+                </a:solidFill>
+                <a:latin typeface="Calibri"/>
+                <a:ea typeface="Calibri"/>
+                <a:cs typeface="Calibri"/>
+                <a:sym typeface="Calibri"/>
+              </a:rPr>
+              <a:t>Jarian N. Del Valle</a:t>
+            </a:r>
+            <a:endParaRPr>
+              <a:solidFill>
+                <a:schemeClr val="lt1"/>
+              </a:solidFill>
+              <a:latin typeface="Calibri"/>
+              <a:ea typeface="Calibri"/>
+              <a:cs typeface="Calibri"/>
+              <a:sym typeface="Calibri"/>
+            </a:endParaRPr>
+          </a:p>
+          <a:p>
+            <a:pPr indent="0" lvl="0" marL="0" rtl="0" algn="ctr">
+              <a:spcBef>
+                <a:spcPts val="0"/>
+              </a:spcBef>
+              <a:spcAft>
+                <a:spcPts val="0"/>
+              </a:spcAft>
+              <a:buClr>
+                <a:schemeClr val="dk1"/>
+              </a:buClr>
+              <a:buFont typeface="Arial"/>
+              <a:buNone/>
+            </a:pPr>
+            <a:r>
+              <a:rPr lang="en-US">
+                <a:solidFill>
+                  <a:schemeClr val="lt1"/>
+                </a:solidFill>
+                <a:latin typeface="Calibri"/>
+                <a:ea typeface="Calibri"/>
+                <a:cs typeface="Calibri"/>
+                <a:sym typeface="Calibri"/>
+              </a:rPr>
+              <a:t>Diego Rosa Paz</a:t>
+            </a:r>
+            <a:endParaRPr>
+              <a:solidFill>
+                <a:schemeClr val="lt1"/>
+              </a:solidFill>
+              <a:latin typeface="Calibri"/>
+              <a:ea typeface="Calibri"/>
+              <a:cs typeface="Calibri"/>
+              <a:sym typeface="Calibri"/>
+            </a:endParaRPr>
+          </a:p>
+          <a:p>
+            <a:pPr indent="0" lvl="0" marL="0" rtl="0" algn="ctr">
+              <a:spcBef>
+                <a:spcPts val="0"/>
+              </a:spcBef>
+              <a:spcAft>
+                <a:spcPts val="0"/>
+              </a:spcAft>
+              <a:buClr>
+                <a:schemeClr val="dk1"/>
+              </a:buClr>
+              <a:buFont typeface="Arial"/>
+              <a:buNone/>
+            </a:pPr>
+            <a:r>
+              <a:rPr lang="en-US">
+                <a:solidFill>
+                  <a:schemeClr val="lt1"/>
+                </a:solidFill>
+                <a:latin typeface="Calibri"/>
+                <a:ea typeface="Calibri"/>
+                <a:cs typeface="Calibri"/>
+                <a:sym typeface="Calibri"/>
+              </a:rPr>
+              <a:t>Natalia Torres</a:t>
+            </a:r>
+            <a:endParaRPr>
+              <a:solidFill>
+                <a:schemeClr val="lt1"/>
+              </a:solidFill>
+              <a:latin typeface="Calibri"/>
+              <a:ea typeface="Calibri"/>
+              <a:cs typeface="Calibri"/>
+              <a:sym typeface="Calibri"/>
+            </a:endParaRPr>
+          </a:p>
+          <a:p>
+            <a:pPr indent="0" lvl="0" marL="0" rtl="0" algn="ctr">
+              <a:spcBef>
+                <a:spcPts val="0"/>
+              </a:spcBef>
+              <a:spcAft>
+                <a:spcPts val="0"/>
+              </a:spcAft>
+              <a:buClr>
+                <a:schemeClr val="dk1"/>
+              </a:buClr>
+              <a:buFont typeface="Arial"/>
+              <a:buNone/>
+            </a:pPr>
+            <a:r>
+              <a:rPr lang="en-US">
+                <a:solidFill>
+                  <a:schemeClr val="lt1"/>
+                </a:solidFill>
+                <a:latin typeface="Calibri"/>
+                <a:ea typeface="Calibri"/>
+                <a:cs typeface="Calibri"/>
+                <a:sym typeface="Calibri"/>
+              </a:rPr>
+              <a:t>Dylan Rodriguez</a:t>
+            </a:r>
+            <a:endParaRPr>
+              <a:solidFill>
+                <a:schemeClr val="lt1"/>
+              </a:solidFill>
+              <a:latin typeface="Calibri"/>
+              <a:ea typeface="Calibri"/>
+              <a:cs typeface="Calibri"/>
+              <a:sym typeface="Calibri"/>
+            </a:endParaRPr>
+          </a:p>
+          <a:p>
+            <a:pPr indent="0" lvl="0" marL="0" rtl="0" algn="ctr">
+              <a:spcBef>
+                <a:spcPts val="0"/>
+              </a:spcBef>
+              <a:spcAft>
+                <a:spcPts val="0"/>
+              </a:spcAft>
+              <a:buClr>
+                <a:schemeClr val="dk1"/>
+              </a:buClr>
+              <a:buFont typeface="Arial"/>
+              <a:buNone/>
+            </a:pPr>
+            <a:r>
+              <a:rPr lang="en-US">
+                <a:solidFill>
+                  <a:schemeClr val="lt1"/>
+                </a:solidFill>
+                <a:latin typeface="Calibri"/>
+                <a:ea typeface="Calibri"/>
+                <a:cs typeface="Calibri"/>
+                <a:sym typeface="Calibri"/>
+              </a:rPr>
+              <a:t>Javier A. Dastas</a:t>
+            </a:r>
+            <a:endParaRPr sz="1500">
+              <a:solidFill>
+                <a:schemeClr val="lt1"/>
+              </a:solidFill>
+              <a:latin typeface="Calibri"/>
+              <a:ea typeface="Calibri"/>
+              <a:cs typeface="Calibri"/>
+              <a:sym typeface="Calibri"/>
+            </a:endParaRPr>
+          </a:p>
+        </p:txBody>
+      </p:sp>
+      <p:pic>
+        <p:nvPicPr>
+          <p:cNvPr id="280" name="Google Shape;280;p23"/>
+          <p:cNvPicPr preferRelativeResize="0"/>
+          <p:nvPr/>
+        </p:nvPicPr>
+        <p:blipFill>
+          <a:blip r:embed="rId4">
+            <a:alphaModFix/>
+          </a:blip>
+          <a:stretch>
+            <a:fillRect/>
+          </a:stretch>
+        </p:blipFill>
+        <p:spPr>
+          <a:xfrm>
+            <a:off x="10431925" y="5225250"/>
+            <a:ext cx="1319700" cy="1319700"/>
+          </a:xfrm>
+          <a:prstGeom prst="rect">
+            <a:avLst/>
+          </a:prstGeom>
+          <a:solidFill>
+            <a:schemeClr val="dk1">
+              <a:alpha val="80000"/>
+            </a:schemeClr>
+          </a:solidFill>
+          <a:ln>
+            <a:noFill/>
+          </a:ln>
+        </p:spPr>
+      </p:pic>
+      <p:sp>
+        <p:nvSpPr>
+          <p:cNvPr id="281" name="Google Shape;281;p23"/>
+          <p:cNvSpPr txBox="1"/>
+          <p:nvPr/>
+        </p:nvSpPr>
+        <p:spPr>
+          <a:xfrm>
+            <a:off x="4033775" y="2892900"/>
+            <a:ext cx="4329600" cy="1098900"/>
+          </a:xfrm>
+          <a:prstGeom prst="rect">
+            <a:avLst/>
+          </a:prstGeom>
+          <a:noFill/>
+          <a:ln>
+            <a:noFill/>
+          </a:ln>
+        </p:spPr>
+        <p:txBody>
+          <a:bodyPr anchorCtr="0" anchor="t" bIns="91425" lIns="91425" spcFirstLastPara="1" rIns="91425" wrap="square" tIns="91425">
+            <a:spAutoFit/>
+          </a:bodyPr>
+          <a:lstStyle/>
+          <a:p>
+            <a:pPr indent="0" lvl="0" marL="0" rtl="0" algn="ctr">
+              <a:lnSpc>
+                <a:spcPct val="90000"/>
+              </a:lnSpc>
+              <a:spcBef>
+                <a:spcPts val="0"/>
+              </a:spcBef>
+              <a:spcAft>
+                <a:spcPts val="0"/>
+              </a:spcAft>
+              <a:buNone/>
+            </a:pPr>
+            <a:r>
+              <a:rPr lang="en-US" sz="6600">
+                <a:solidFill>
+                  <a:schemeClr val="lt1"/>
+                </a:solidFill>
+                <a:latin typeface="Calibri"/>
+                <a:ea typeface="Calibri"/>
+                <a:cs typeface="Calibri"/>
+                <a:sym typeface="Calibri"/>
+              </a:rPr>
+              <a:t>THANK YOU</a:t>
+            </a:r>
+            <a:endParaRPr/>
+          </a:p>
+        </p:txBody>
+      </p:sp>
+      <p:sp>
+        <p:nvSpPr>
+          <p:cNvPr id="282" name="Google Shape;282;p23"/>
+          <p:cNvSpPr/>
+          <p:nvPr/>
+        </p:nvSpPr>
+        <p:spPr>
+          <a:xfrm>
+            <a:off x="5836575" y="4119086"/>
+            <a:ext cx="723900" cy="45600"/>
+          </a:xfrm>
+          <a:prstGeom prst="rect">
+            <a:avLst/>
+          </a:prstGeom>
+          <a:solidFill>
+            <a:schemeClr val="accent4"/>
+          </a:solidFill>
+          <a:ln>
+            <a:noFill/>
+          </a:ln>
+        </p:spPr>
+        <p:txBody>
+          <a:bodyPr anchorCtr="0" anchor="ctr" bIns="45700" lIns="91425" spcFirstLastPara="1" rIns="91425" wrap="square" tIns="45700">
+            <a:noAutofit/>
+          </a:bodyPr>
+          <a:lstStyle/>
+          <a:p>
+            <a:pPr indent="0" lvl="0" marL="0" marR="0" rtl="0" algn="ctr">
+              <a:spcBef>
+                <a:spcPts val="0"/>
+              </a:spcBef>
+              <a:spcAft>
+                <a:spcPts val="0"/>
+              </a:spcAft>
+              <a:buNone/>
+            </a:pPr>
+            <a:r>
+              <a:t/>
+            </a:r>
+            <a:endParaRPr b="0" i="0" sz="1800" u="none" cap="none" strike="noStrike">
+              <a:solidFill>
+                <a:schemeClr val="lt1"/>
+              </a:solidFill>
+              <a:latin typeface="Rockwell"/>
+              <a:ea typeface="Rockwell"/>
+              <a:cs typeface="Rockwell"/>
+              <a:sym typeface="Rockwell"/>
+            </a:endParaRPr>
+          </a:p>
+        </p:txBody>
+      </p:sp>
+    </p:spTree>
+  </p:cSld>
+  <p:clrMapOvr>
+    <a:masterClrMapping/>
+  </p:clrMapOvr>
+</p:sld>
+</file>
+
 <file path=ppt/slides/slide2.xml><?xml version="1.0" encoding="utf-8"?>
 <p:sld xmlns:a="http://schemas.openxmlformats.org/drawingml/2006/main" xmlns:r="http://schemas.openxmlformats.org/officeDocument/2006/relationships" xmlns:mc="http://schemas.openxmlformats.org/markup-compatibility/2006" xmlns:mv="urn:schemas-microsoft-com:mac:vml" xmlns:p="http://schemas.openxmlformats.org/presentationml/2006/main" xmlns:c="http://schemas.openxmlformats.org/drawingml/2006/chart" xmlns:dgm="http://schemas.openxmlformats.org/drawingml/2006/diagram" xmlns:o="urn:schemas-microsoft-com:office:office" xmlns:v="urn:schemas-microsoft-com:vml" xmlns:pvml="urn:schemas-microsoft-com:office:powerpoint" xmlns:com="http://schemas.openxmlformats.org/drawingml/2006/compatibility" xmlns:p14="http://schemas.microsoft.com/office/powerpoint/2010/main" xmlns:p15="http://schemas.microsoft.com/office/powerpoint/2012/main" xmlns:ahyp="http://schemas.microsoft.com/office/drawing/2018/hyperlinkcolor">
   <p:cSld>
@@ -30904,7 +32448,7 @@
                 <a:cs typeface="Calibri"/>
                 <a:sym typeface="Calibri"/>
               </a:rPr>
-              <a:t>Future Analysis: cost increment per transaction, bad data, problems with the fees request system, bad process...</a:t>
+              <a:t>Future Analysis: check the cost per transaction, possible bad data, problems with the fees request system, bad process...</a:t>
             </a:r>
             <a:endParaRPr sz="2300">
               <a:solidFill>
@@ -31845,7 +33389,7 @@
   <p:cSld>
     <p:spTree>
       <p:nvGrpSpPr>
-        <p:cNvPr id="247" name="Shape 247"/>
+        <p:cNvPr id="248" name="Shape 248"/>
         <p:cNvGrpSpPr/>
         <p:nvPr/>
       </p:nvGrpSpPr>
@@ -31859,16 +33403,14 @@
       </p:grpSpPr>
       <p:sp>
         <p:nvSpPr>
-          <p:cNvPr id="248" name="Google Shape;248;p20"/>
+          <p:cNvPr id="249" name="Google Shape;249;p20"/>
           <p:cNvSpPr txBox="1"/>
-          <p:nvPr>
-            <p:ph idx="12" type="sldNum"/>
-          </p:nvPr>
+          <p:nvPr/>
         </p:nvSpPr>
         <p:spPr>
           <a:xfrm>
-            <a:off x="8610600" y="6356350"/>
-            <a:ext cx="2743200" cy="365100"/>
+            <a:off x="793150" y="5740000"/>
+            <a:ext cx="5822400" cy="405300"/>
           </a:xfrm>
           <a:prstGeom prst="rect">
             <a:avLst/>
@@ -31879,86 +33421,40 @@
           </a:ln>
         </p:spPr>
         <p:txBody>
-          <a:bodyPr anchorCtr="0" anchor="ctr" bIns="45700" lIns="91425" spcFirstLastPara="1" rIns="91425" wrap="square" tIns="45700">
-            <a:noAutofit/>
-          </a:bodyPr>
-          <a:lstStyle/>
-          <a:p>
-            <a:pPr indent="0" lvl="0" marL="0" rtl="0" algn="r">
-              <a:spcBef>
-                <a:spcPts val="0"/>
-              </a:spcBef>
-              <a:spcAft>
-                <a:spcPts val="0"/>
-              </a:spcAft>
-              <a:buNone/>
-            </a:pPr>
-            <a:fld id="{00000000-1234-1234-1234-123412341234}" type="slidenum">
-              <a:rPr lang="en-US"/>
-              <a:t>‹#›</a:t>
-            </a:fld>
-            <a:endParaRPr/>
-          </a:p>
-        </p:txBody>
-      </p:sp>
-      <p:sp>
-        <p:nvSpPr>
-          <p:cNvPr id="249" name="Google Shape;249;p20"/>
-          <p:cNvSpPr txBox="1"/>
-          <p:nvPr>
-            <p:ph idx="4294967295" type="title"/>
-          </p:nvPr>
-        </p:nvSpPr>
-        <p:spPr>
-          <a:xfrm>
-            <a:off x="838200" y="365125"/>
-            <a:ext cx="10515600" cy="609300"/>
-          </a:xfrm>
-          <a:prstGeom prst="rect">
-            <a:avLst/>
-          </a:prstGeom>
-          <a:noFill/>
-          <a:ln>
-            <a:noFill/>
-          </a:ln>
-        </p:spPr>
-        <p:txBody>
-          <a:bodyPr anchorCtr="0" anchor="t" bIns="0" lIns="0" spcFirstLastPara="1" rIns="0" wrap="square" tIns="0">
+          <a:bodyPr anchorCtr="0" anchor="t" bIns="91425" lIns="91425" spcFirstLastPara="1" rIns="91425" wrap="square" tIns="91425">
             <a:noAutofit/>
           </a:bodyPr>
           <a:lstStyle/>
           <a:p>
             <a:pPr indent="0" lvl="0" marL="0" rtl="0" algn="l">
-              <a:lnSpc>
-                <a:spcPct val="90000"/>
-              </a:lnSpc>
-              <a:spcBef>
-                <a:spcPts val="0"/>
-              </a:spcBef>
-              <a:spcAft>
-                <a:spcPts val="0"/>
-              </a:spcAft>
-              <a:buClr>
-                <a:schemeClr val="dk1"/>
-              </a:buClr>
-              <a:buSzPts val="4400"/>
-              <a:buFont typeface="Questrial"/>
+              <a:spcBef>
+                <a:spcPts val="0"/>
+              </a:spcBef>
+              <a:spcAft>
+                <a:spcPts val="0"/>
+              </a:spcAft>
               <a:buNone/>
             </a:pPr>
             <a:r>
-              <a:rPr lang="en-US">
-                <a:latin typeface="Calibri"/>
-                <a:ea typeface="Calibri"/>
-                <a:cs typeface="Calibri"/>
-                <a:sym typeface="Calibri"/>
+              <a:rPr lang="en-US" sz="1900">
+                <a:solidFill>
+                  <a:srgbClr val="666666"/>
+                </a:solidFill>
+                <a:latin typeface="Rockwell"/>
+                <a:ea typeface="Rockwell"/>
+                <a:cs typeface="Rockwell"/>
+                <a:sym typeface="Rockwell"/>
               </a:rPr>
-              <a:t>Conclusion</a:t>
+              <a:t>Dashboard Publication in Tableau Public</a:t>
             </a:r>
-            <a:endParaRPr>
-              <a:latin typeface="Calibri"/>
-              <a:ea typeface="Calibri"/>
-              <a:cs typeface="Calibri"/>
-              <a:sym typeface="Calibri"/>
+            <a:endParaRPr sz="1900">
+              <a:solidFill>
+                <a:srgbClr val="666666"/>
+              </a:solidFill>
+              <a:latin typeface="Rockwell"/>
+              <a:ea typeface="Rockwell"/>
+              <a:cs typeface="Rockwell"/>
+              <a:sym typeface="Rockwell"/>
             </a:endParaRPr>
           </a:p>
         </p:txBody>
@@ -31971,8 +33467,8 @@
         </p:nvSpPr>
         <p:spPr>
           <a:xfrm>
-            <a:off x="838200" y="990600"/>
-            <a:ext cx="6082500" cy="5713500"/>
+            <a:off x="793150" y="6145300"/>
+            <a:ext cx="9735300" cy="615600"/>
           </a:xfrm>
           <a:prstGeom prst="rect">
             <a:avLst/>
@@ -31989,77 +33485,34 @@
           <a:lstStyle/>
           <a:p>
             <a:pPr indent="0" lvl="0" marL="0" rtl="0" algn="l">
-              <a:lnSpc>
-                <a:spcPct val="115000"/>
-              </a:lnSpc>
-              <a:spcBef>
-                <a:spcPts val="1200"/>
-              </a:spcBef>
-              <a:spcAft>
-                <a:spcPts val="0"/>
-              </a:spcAft>
-              <a:buClr>
-                <a:schemeClr val="dk1"/>
-              </a:buClr>
-              <a:buSzPts val="1100"/>
-              <a:buFont typeface="Arial"/>
+              <a:spcBef>
+                <a:spcPts val="0"/>
+              </a:spcBef>
+              <a:spcAft>
+                <a:spcPts val="0"/>
+              </a:spcAft>
               <a:buNone/>
             </a:pPr>
             <a:r>
-              <a:rPr lang="en-US" sz="1800">
+              <a:rPr lang="en-US">
                 <a:solidFill>
-                  <a:schemeClr val="dk1"/>
+                  <a:schemeClr val="accent1"/>
                 </a:solidFill>
-                <a:latin typeface="Calibri"/>
-                <a:ea typeface="Calibri"/>
-                <a:cs typeface="Calibri"/>
-                <a:sym typeface="Calibri"/>
+                <a:latin typeface="Roboto"/>
+                <a:ea typeface="Roboto"/>
+                <a:cs typeface="Roboto"/>
+                <a:sym typeface="Roboto"/>
               </a:rPr>
-              <a:t>The exploratory data analysis allowed us to clean and merge both data sets, resulting in a more comprehensive dataset. This enhanced dataset enabled the identification of patterns and the analysis of key metrics, such as service usage frequency, incident rates, and revenue generation. One of our significant findings was the development of a proposed metric focused on the efficiency of instant payments. We observed a considerable increase in the acceptance of instant payments, which directly correlated with the growth in the number of clients.</a:t>
+              <a:t>https://public.tableau.com/views/DSMLBootcampProjectI-DemoData/Dashboard1?:language=en-US&amp;publish=yes&amp;:sid=&amp;:redirect=auth&amp;:display_count=n&amp;:origin=viz_share_link</a:t>
             </a:r>
-            <a:endParaRPr sz="1800">
+            <a:endParaRPr>
               <a:solidFill>
-                <a:schemeClr val="dk1"/>
+                <a:schemeClr val="accent1"/>
               </a:solidFill>
-              <a:latin typeface="Calibri"/>
-              <a:ea typeface="Calibri"/>
-              <a:cs typeface="Calibri"/>
-              <a:sym typeface="Calibri"/>
-            </a:endParaRPr>
-          </a:p>
-          <a:p>
-            <a:pPr indent="0" lvl="0" marL="0" rtl="0" algn="l">
-              <a:lnSpc>
-                <a:spcPct val="115000"/>
-              </a:lnSpc>
-              <a:spcBef>
-                <a:spcPts val="1200"/>
-              </a:spcBef>
-              <a:spcAft>
-                <a:spcPts val="1200"/>
-              </a:spcAft>
-              <a:buNone/>
-            </a:pPr>
-            <a:r>
-              <a:rPr lang="en-US" sz="1800">
-                <a:solidFill>
-                  <a:schemeClr val="dk1"/>
-                </a:solidFill>
-                <a:latin typeface="Calibri"/>
-                <a:ea typeface="Calibri"/>
-                <a:cs typeface="Calibri"/>
-                <a:sym typeface="Calibri"/>
-              </a:rPr>
-              <a:t>Additionally, we identified a seasonal correlation, particularly in the late-year holiday period, where service usage peaked. Based on these insights, we recommend prioritizing marketing efforts for instant payments during holiday seasons throughout the year to sustain and increase profitability. Furthermore, we suggest extracting client location data to gain deeper insights into which countries and demographics yield the highest sales and profit margins.</a:t>
-            </a:r>
-            <a:endParaRPr sz="1800">
-              <a:solidFill>
-                <a:schemeClr val="dk1"/>
-              </a:solidFill>
-              <a:latin typeface="Calibri"/>
-              <a:ea typeface="Calibri"/>
-              <a:cs typeface="Calibri"/>
-              <a:sym typeface="Calibri"/>
+              <a:latin typeface="Roboto"/>
+              <a:ea typeface="Roboto"/>
+              <a:cs typeface="Roboto"/>
+              <a:sym typeface="Roboto"/>
             </a:endParaRPr>
           </a:p>
         </p:txBody>
@@ -32080,17 +33533,21 @@
         </p:blipFill>
         <p:spPr>
           <a:xfrm>
-            <a:off x="7087100" y="1721712"/>
-            <a:ext cx="4007450" cy="3414577"/>
+            <a:off x="793150" y="304800"/>
+            <a:ext cx="10621460" cy="5435200"/>
           </a:xfrm>
           <a:prstGeom prst="rect">
             <a:avLst/>
           </a:prstGeom>
-          <a:solidFill>
-            <a:schemeClr val="lt1"/>
-          </a:solidFill>
-          <a:ln>
-            <a:noFill/>
+          <a:noFill/>
+          <a:ln cap="flat" cmpd="sng" w="9525">
+            <a:solidFill>
+              <a:srgbClr val="CCCCCC"/>
+            </a:solidFill>
+            <a:prstDash val="solid"/>
+            <a:round/>
+            <a:headEnd len="sm" w="sm" type="none"/>
+            <a:tailEnd len="sm" w="sm" type="none"/>
           </a:ln>
         </p:spPr>
       </p:pic>
@@ -32105,18 +33562,6 @@
 <file path=ppt/slides/slide9.xml><?xml version="1.0" encoding="utf-8"?>
 <p:sld xmlns:a="http://schemas.openxmlformats.org/drawingml/2006/main" xmlns:r="http://schemas.openxmlformats.org/officeDocument/2006/relationships" xmlns:mc="http://schemas.openxmlformats.org/markup-compatibility/2006" xmlns:mv="urn:schemas-microsoft-com:mac:vml" xmlns:p="http://schemas.openxmlformats.org/presentationml/2006/main" xmlns:c="http://schemas.openxmlformats.org/drawingml/2006/chart" xmlns:dgm="http://schemas.openxmlformats.org/drawingml/2006/diagram" xmlns:o="urn:schemas-microsoft-com:office:office" xmlns:v="urn:schemas-microsoft-com:vml" xmlns:pvml="urn:schemas-microsoft-com:office:powerpoint" xmlns:com="http://schemas.openxmlformats.org/drawingml/2006/compatibility" xmlns:p14="http://schemas.microsoft.com/office/powerpoint/2010/main" xmlns:p15="http://schemas.microsoft.com/office/powerpoint/2012/main" xmlns:ahyp="http://schemas.microsoft.com/office/drawing/2018/hyperlinkcolor">
   <p:cSld>
-    <p:bg>
-      <p:bgPr>
-        <a:blipFill>
-          <a:blip r:embed="rId3">
-            <a:alphaModFix/>
-          </a:blip>
-          <a:stretch>
-            <a:fillRect/>
-          </a:stretch>
-        </a:blipFill>
-      </p:bgPr>
-    </p:bg>
     <p:spTree>
       <p:nvGrpSpPr>
         <p:cNvPr id="256" name="Shape 256"/>
@@ -32134,33 +33579,29 @@
       <p:sp>
         <p:nvSpPr>
           <p:cNvPr id="257" name="Google Shape;257;p21"/>
-          <p:cNvSpPr/>
+          <p:cNvSpPr txBox="1"/>
           <p:nvPr/>
         </p:nvSpPr>
         <p:spPr>
           <a:xfrm>
-            <a:off x="0" y="0"/>
-            <a:ext cx="12192000" cy="6858000"/>
+            <a:off x="1395775" y="6222750"/>
+            <a:ext cx="5822400" cy="405300"/>
           </a:xfrm>
           <a:prstGeom prst="rect">
             <a:avLst/>
           </a:prstGeom>
-          <a:solidFill>
-            <a:schemeClr val="dk1">
-              <a:alpha val="80000"/>
-            </a:schemeClr>
-          </a:solidFill>
+          <a:noFill/>
           <a:ln>
             <a:noFill/>
           </a:ln>
         </p:spPr>
         <p:txBody>
-          <a:bodyPr anchorCtr="0" anchor="ctr" bIns="45700" lIns="91425" spcFirstLastPara="1" rIns="91425" wrap="square" tIns="45700">
+          <a:bodyPr anchorCtr="0" anchor="t" bIns="91425" lIns="91425" spcFirstLastPara="1" rIns="91425" wrap="square" tIns="91425">
             <a:noAutofit/>
           </a:bodyPr>
           <a:lstStyle/>
           <a:p>
-            <a:pPr indent="0" lvl="0" marL="0" marR="0" rtl="0" algn="ctr">
+            <a:pPr indent="0" lvl="0" marL="0" rtl="0" algn="l">
               <a:spcBef>
                 <a:spcPts val="0"/>
               </a:spcBef>
@@ -32170,11 +33611,20 @@
               <a:buNone/>
             </a:pPr>
             <a:r>
-              <a:t/>
+              <a:rPr lang="en-US" sz="1900">
+                <a:solidFill>
+                  <a:srgbClr val="666666"/>
+                </a:solidFill>
+                <a:latin typeface="Rockwell"/>
+                <a:ea typeface="Rockwell"/>
+                <a:cs typeface="Rockwell"/>
+                <a:sym typeface="Rockwell"/>
+              </a:rPr>
+              <a:t>Streamlit - Analysis Dashboard</a:t>
             </a:r>
-            <a:endParaRPr b="0" i="0" sz="1800" u="none" cap="none" strike="noStrike">
+            <a:endParaRPr sz="1900">
               <a:solidFill>
-                <a:schemeClr val="lt1"/>
+                <a:srgbClr val="666666"/>
               </a:solidFill>
               <a:latin typeface="Rockwell"/>
               <a:ea typeface="Rockwell"/>
@@ -32187,583 +33637,13 @@
       <p:sp>
         <p:nvSpPr>
           <p:cNvPr id="258" name="Google Shape;258;p21"/>
-          <p:cNvSpPr/>
-          <p:nvPr/>
-        </p:nvSpPr>
-        <p:spPr>
-          <a:xfrm>
-            <a:off x="3489325" y="0"/>
-            <a:ext cx="5213400" cy="6858000"/>
-          </a:xfrm>
-          <a:prstGeom prst="parallelogram">
-            <a:avLst>
-              <a:gd fmla="val 25000" name="adj"/>
-            </a:avLst>
-          </a:prstGeom>
-          <a:solidFill>
-            <a:schemeClr val="lt1">
-              <a:alpha val="20000"/>
-            </a:schemeClr>
-          </a:solidFill>
-          <a:ln>
-            <a:noFill/>
-          </a:ln>
-        </p:spPr>
-        <p:txBody>
-          <a:bodyPr anchorCtr="0" anchor="ctr" bIns="45700" lIns="91425" spcFirstLastPara="1" rIns="91425" wrap="square" tIns="45700">
-            <a:noAutofit/>
-          </a:bodyPr>
-          <a:lstStyle/>
-          <a:p>
-            <a:pPr indent="0" lvl="0" marL="0" marR="0" rtl="0" algn="ctr">
-              <a:spcBef>
-                <a:spcPts val="0"/>
-              </a:spcBef>
-              <a:spcAft>
-                <a:spcPts val="0"/>
-              </a:spcAft>
-              <a:buNone/>
-            </a:pPr>
-            <a:r>
-              <a:t/>
-            </a:r>
-            <a:endParaRPr b="0" i="0" sz="1800" u="none" cap="none" strike="noStrike">
-              <a:solidFill>
-                <a:schemeClr val="lt1"/>
-              </a:solidFill>
-              <a:latin typeface="Rockwell"/>
-              <a:ea typeface="Rockwell"/>
-              <a:cs typeface="Rockwell"/>
-              <a:sym typeface="Rockwell"/>
-            </a:endParaRPr>
-          </a:p>
-        </p:txBody>
-      </p:sp>
-      <p:grpSp>
-        <p:nvGrpSpPr>
-          <p:cNvPr id="259" name="Google Shape;259;p21"/>
-          <p:cNvGrpSpPr/>
-          <p:nvPr/>
-        </p:nvGrpSpPr>
-        <p:grpSpPr>
-          <a:xfrm>
-            <a:off x="3117979" y="368894"/>
-            <a:ext cx="6161093" cy="6146902"/>
-            <a:chOff x="3117850" y="450850"/>
-            <a:chExt cx="5956200" cy="5956300"/>
-          </a:xfrm>
-        </p:grpSpPr>
-        <p:sp>
-          <p:nvSpPr>
-            <p:cNvPr id="260" name="Google Shape;260;p21"/>
-            <p:cNvSpPr/>
-            <p:nvPr/>
-          </p:nvSpPr>
-          <p:spPr>
-            <a:xfrm>
-              <a:off x="3117850" y="450850"/>
-              <a:ext cx="5956200" cy="5956200"/>
-            </a:xfrm>
-            <a:prstGeom prst="arc">
-              <a:avLst>
-                <a:gd fmla="val 11294463" name="adj1"/>
-                <a:gd fmla="val 21113174" name="adj2"/>
-              </a:avLst>
-            </a:prstGeom>
-            <a:noFill/>
-            <a:ln cap="rnd" cmpd="sng" w="25400">
-              <a:solidFill>
-                <a:schemeClr val="accent4"/>
-              </a:solidFill>
-              <a:prstDash val="solid"/>
-              <a:miter lim="800000"/>
-              <a:headEnd len="sm" w="sm" type="none"/>
-              <a:tailEnd len="sm" w="sm" type="none"/>
-            </a:ln>
-          </p:spPr>
-          <p:txBody>
-            <a:bodyPr anchorCtr="0" anchor="ctr" bIns="45700" lIns="91425" spcFirstLastPara="1" rIns="91425" wrap="square" tIns="45700">
-              <a:noAutofit/>
-            </a:bodyPr>
-            <a:lstStyle/>
-            <a:p>
-              <a:pPr indent="0" lvl="0" marL="0" marR="0" rtl="0" algn="ctr">
-                <a:spcBef>
-                  <a:spcPts val="0"/>
-                </a:spcBef>
-                <a:spcAft>
-                  <a:spcPts val="0"/>
-                </a:spcAft>
-                <a:buNone/>
-              </a:pPr>
-              <a:r>
-                <a:t/>
-              </a:r>
-              <a:endParaRPr b="0" i="0" sz="1800" u="none" cap="none" strike="noStrike">
-                <a:solidFill>
-                  <a:schemeClr val="lt1"/>
-                </a:solidFill>
-                <a:latin typeface="Rockwell"/>
-                <a:ea typeface="Rockwell"/>
-                <a:cs typeface="Rockwell"/>
-                <a:sym typeface="Rockwell"/>
-              </a:endParaRPr>
-            </a:p>
-          </p:txBody>
-        </p:sp>
-        <p:sp>
-          <p:nvSpPr>
-            <p:cNvPr id="261" name="Google Shape;261;p21"/>
-            <p:cNvSpPr/>
-            <p:nvPr/>
-          </p:nvSpPr>
-          <p:spPr>
-            <a:xfrm flipH="1" rot="10800000">
-              <a:off x="3117850" y="450950"/>
-              <a:ext cx="5956200" cy="5956200"/>
-            </a:xfrm>
-            <a:prstGeom prst="arc">
-              <a:avLst>
-                <a:gd fmla="val 11294463" name="adj1"/>
-                <a:gd fmla="val 21113174" name="adj2"/>
-              </a:avLst>
-            </a:prstGeom>
-            <a:noFill/>
-            <a:ln cap="rnd" cmpd="sng" w="25400">
-              <a:solidFill>
-                <a:schemeClr val="accent4"/>
-              </a:solidFill>
-              <a:prstDash val="solid"/>
-              <a:miter lim="800000"/>
-              <a:headEnd len="sm" w="sm" type="none"/>
-              <a:tailEnd len="sm" w="sm" type="none"/>
-            </a:ln>
-          </p:spPr>
-          <p:txBody>
-            <a:bodyPr anchorCtr="0" anchor="ctr" bIns="45700" lIns="91425" spcFirstLastPara="1" rIns="91425" wrap="square" tIns="45700">
-              <a:noAutofit/>
-            </a:bodyPr>
-            <a:lstStyle/>
-            <a:p>
-              <a:pPr indent="0" lvl="0" marL="0" marR="0" rtl="0" algn="ctr">
-                <a:spcBef>
-                  <a:spcPts val="0"/>
-                </a:spcBef>
-                <a:spcAft>
-                  <a:spcPts val="0"/>
-                </a:spcAft>
-                <a:buNone/>
-              </a:pPr>
-              <a:r>
-                <a:t/>
-              </a:r>
-              <a:endParaRPr b="0" i="0" sz="1800" u="none" cap="none" strike="noStrike">
-                <a:solidFill>
-                  <a:schemeClr val="lt1"/>
-                </a:solidFill>
-                <a:latin typeface="Rockwell"/>
-                <a:ea typeface="Rockwell"/>
-                <a:cs typeface="Rockwell"/>
-                <a:sym typeface="Rockwell"/>
-              </a:endParaRPr>
-            </a:p>
-          </p:txBody>
-        </p:sp>
-      </p:grpSp>
-      <p:sp>
-        <p:nvSpPr>
-          <p:cNvPr id="262" name="Google Shape;262;p21"/>
           <p:cNvSpPr txBox="1"/>
           <p:nvPr/>
         </p:nvSpPr>
         <p:spPr>
           <a:xfrm>
-            <a:off x="1042425" y="1242300"/>
-            <a:ext cx="10312200" cy="923100"/>
-          </a:xfrm>
-          <a:prstGeom prst="rect">
-            <a:avLst/>
-          </a:prstGeom>
-          <a:noFill/>
-          <a:ln>
-            <a:noFill/>
-          </a:ln>
-        </p:spPr>
-        <p:txBody>
-          <a:bodyPr anchorCtr="0" anchor="ctr" bIns="0" lIns="0" spcFirstLastPara="1" rIns="0" wrap="square" tIns="0">
-            <a:noAutofit/>
-          </a:bodyPr>
-          <a:lstStyle/>
-          <a:p>
-            <a:pPr indent="0" lvl="0" marL="0" marR="0" rtl="0" algn="ctr">
-              <a:lnSpc>
-                <a:spcPct val="90000"/>
-              </a:lnSpc>
-              <a:spcBef>
-                <a:spcPts val="0"/>
-              </a:spcBef>
-              <a:spcAft>
-                <a:spcPts val="0"/>
-              </a:spcAft>
-              <a:buClr>
-                <a:schemeClr val="lt1"/>
-              </a:buClr>
-              <a:buSzPts val="6600"/>
-              <a:buFont typeface="Questrial"/>
-              <a:buNone/>
-            </a:pPr>
-            <a:r>
-              <a:rPr lang="en-US" sz="5800">
-                <a:solidFill>
-                  <a:schemeClr val="lt1"/>
-                </a:solidFill>
-                <a:latin typeface="Calibri"/>
-                <a:ea typeface="Calibri"/>
-                <a:cs typeface="Calibri"/>
-                <a:sym typeface="Calibri"/>
-              </a:rPr>
-              <a:t>Cohort Analysis for IronHack Payments</a:t>
-            </a:r>
-            <a:endParaRPr sz="600">
-              <a:latin typeface="Calibri"/>
-              <a:ea typeface="Calibri"/>
-              <a:cs typeface="Calibri"/>
-              <a:sym typeface="Calibri"/>
-            </a:endParaRPr>
-          </a:p>
-        </p:txBody>
-      </p:sp>
-      <p:sp>
-        <p:nvSpPr>
-          <p:cNvPr id="263" name="Google Shape;263;p21"/>
-          <p:cNvSpPr/>
-          <p:nvPr/>
-        </p:nvSpPr>
-        <p:spPr>
-          <a:xfrm>
-            <a:off x="5836625" y="2720036"/>
-            <a:ext cx="723900" cy="45600"/>
-          </a:xfrm>
-          <a:prstGeom prst="rect">
-            <a:avLst/>
-          </a:prstGeom>
-          <a:solidFill>
-            <a:schemeClr val="accent4"/>
-          </a:solidFill>
-          <a:ln>
-            <a:noFill/>
-          </a:ln>
-        </p:spPr>
-        <p:txBody>
-          <a:bodyPr anchorCtr="0" anchor="ctr" bIns="45700" lIns="91425" spcFirstLastPara="1" rIns="91425" wrap="square" tIns="45700">
-            <a:noAutofit/>
-          </a:bodyPr>
-          <a:lstStyle/>
-          <a:p>
-            <a:pPr indent="0" lvl="0" marL="0" marR="0" rtl="0" algn="ctr">
-              <a:spcBef>
-                <a:spcPts val="0"/>
-              </a:spcBef>
-              <a:spcAft>
-                <a:spcPts val="0"/>
-              </a:spcAft>
-              <a:buNone/>
-            </a:pPr>
-            <a:r>
-              <a:t/>
-            </a:r>
-            <a:endParaRPr b="0" i="0" sz="1800" u="none" cap="none" strike="noStrike">
-              <a:solidFill>
-                <a:schemeClr val="lt1"/>
-              </a:solidFill>
-              <a:latin typeface="Rockwell"/>
-              <a:ea typeface="Rockwell"/>
-              <a:cs typeface="Rockwell"/>
-              <a:sym typeface="Rockwell"/>
-            </a:endParaRPr>
-          </a:p>
-        </p:txBody>
-      </p:sp>
-      <p:sp>
-        <p:nvSpPr>
-          <p:cNvPr id="264" name="Google Shape;264;p21"/>
-          <p:cNvSpPr txBox="1"/>
-          <p:nvPr/>
-        </p:nvSpPr>
-        <p:spPr>
-          <a:xfrm>
-            <a:off x="3988775" y="4610825"/>
-            <a:ext cx="4498200" cy="1489200"/>
-          </a:xfrm>
-          <a:prstGeom prst="rect">
-            <a:avLst/>
-          </a:prstGeom>
-          <a:noFill/>
-          <a:ln>
-            <a:noFill/>
-          </a:ln>
-        </p:spPr>
-        <p:txBody>
-          <a:bodyPr anchorCtr="0" anchor="t" bIns="0" lIns="0" spcFirstLastPara="1" rIns="0" wrap="square" tIns="0">
-            <a:noAutofit/>
-          </a:bodyPr>
-          <a:lstStyle/>
-          <a:p>
-            <a:pPr indent="0" lvl="0" marL="0" marR="0" rtl="0" algn="ctr">
-              <a:spcBef>
-                <a:spcPts val="0"/>
-              </a:spcBef>
-              <a:spcAft>
-                <a:spcPts val="0"/>
-              </a:spcAft>
-              <a:buNone/>
-            </a:pPr>
-            <a:r>
-              <a:rPr lang="en-US" sz="1500">
-                <a:solidFill>
-                  <a:schemeClr val="lt1"/>
-                </a:solidFill>
-                <a:latin typeface="Calibri"/>
-                <a:ea typeface="Calibri"/>
-                <a:cs typeface="Calibri"/>
-                <a:sym typeface="Calibri"/>
-              </a:rPr>
-              <a:t>by: </a:t>
-            </a:r>
-            <a:endParaRPr sz="1500">
-              <a:solidFill>
-                <a:schemeClr val="lt1"/>
-              </a:solidFill>
-              <a:latin typeface="Calibri"/>
-              <a:ea typeface="Calibri"/>
-              <a:cs typeface="Calibri"/>
-              <a:sym typeface="Calibri"/>
-            </a:endParaRPr>
-          </a:p>
-          <a:p>
-            <a:pPr indent="0" lvl="0" marL="0" rtl="0" algn="ctr">
-              <a:spcBef>
-                <a:spcPts val="0"/>
-              </a:spcBef>
-              <a:spcAft>
-                <a:spcPts val="0"/>
-              </a:spcAft>
-              <a:buClr>
-                <a:schemeClr val="dk1"/>
-              </a:buClr>
-              <a:buFont typeface="Arial"/>
-              <a:buNone/>
-            </a:pPr>
-            <a:r>
-              <a:rPr lang="en-US">
-                <a:solidFill>
-                  <a:schemeClr val="lt1"/>
-                </a:solidFill>
-                <a:latin typeface="Calibri"/>
-                <a:ea typeface="Calibri"/>
-                <a:cs typeface="Calibri"/>
-                <a:sym typeface="Calibri"/>
-              </a:rPr>
-              <a:t>Jarian N. Del Valle</a:t>
-            </a:r>
-            <a:endParaRPr>
-              <a:solidFill>
-                <a:schemeClr val="lt1"/>
-              </a:solidFill>
-              <a:latin typeface="Calibri"/>
-              <a:ea typeface="Calibri"/>
-              <a:cs typeface="Calibri"/>
-              <a:sym typeface="Calibri"/>
-            </a:endParaRPr>
-          </a:p>
-          <a:p>
-            <a:pPr indent="0" lvl="0" marL="0" rtl="0" algn="ctr">
-              <a:spcBef>
-                <a:spcPts val="0"/>
-              </a:spcBef>
-              <a:spcAft>
-                <a:spcPts val="0"/>
-              </a:spcAft>
-              <a:buClr>
-                <a:schemeClr val="dk1"/>
-              </a:buClr>
-              <a:buFont typeface="Arial"/>
-              <a:buNone/>
-            </a:pPr>
-            <a:r>
-              <a:rPr lang="en-US">
-                <a:solidFill>
-                  <a:schemeClr val="lt1"/>
-                </a:solidFill>
-                <a:latin typeface="Calibri"/>
-                <a:ea typeface="Calibri"/>
-                <a:cs typeface="Calibri"/>
-                <a:sym typeface="Calibri"/>
-              </a:rPr>
-              <a:t>Diego Rosa Paz</a:t>
-            </a:r>
-            <a:endParaRPr>
-              <a:solidFill>
-                <a:schemeClr val="lt1"/>
-              </a:solidFill>
-              <a:latin typeface="Calibri"/>
-              <a:ea typeface="Calibri"/>
-              <a:cs typeface="Calibri"/>
-              <a:sym typeface="Calibri"/>
-            </a:endParaRPr>
-          </a:p>
-          <a:p>
-            <a:pPr indent="0" lvl="0" marL="0" rtl="0" algn="ctr">
-              <a:spcBef>
-                <a:spcPts val="0"/>
-              </a:spcBef>
-              <a:spcAft>
-                <a:spcPts val="0"/>
-              </a:spcAft>
-              <a:buClr>
-                <a:schemeClr val="dk1"/>
-              </a:buClr>
-              <a:buFont typeface="Arial"/>
-              <a:buNone/>
-            </a:pPr>
-            <a:r>
-              <a:rPr lang="en-US">
-                <a:solidFill>
-                  <a:schemeClr val="lt1"/>
-                </a:solidFill>
-                <a:latin typeface="Calibri"/>
-                <a:ea typeface="Calibri"/>
-                <a:cs typeface="Calibri"/>
-                <a:sym typeface="Calibri"/>
-              </a:rPr>
-              <a:t>Natalia Torres</a:t>
-            </a:r>
-            <a:endParaRPr>
-              <a:solidFill>
-                <a:schemeClr val="lt1"/>
-              </a:solidFill>
-              <a:latin typeface="Calibri"/>
-              <a:ea typeface="Calibri"/>
-              <a:cs typeface="Calibri"/>
-              <a:sym typeface="Calibri"/>
-            </a:endParaRPr>
-          </a:p>
-          <a:p>
-            <a:pPr indent="0" lvl="0" marL="0" rtl="0" algn="ctr">
-              <a:spcBef>
-                <a:spcPts val="0"/>
-              </a:spcBef>
-              <a:spcAft>
-                <a:spcPts val="0"/>
-              </a:spcAft>
-              <a:buClr>
-                <a:schemeClr val="dk1"/>
-              </a:buClr>
-              <a:buFont typeface="Arial"/>
-              <a:buNone/>
-            </a:pPr>
-            <a:r>
-              <a:rPr lang="en-US">
-                <a:solidFill>
-                  <a:schemeClr val="lt1"/>
-                </a:solidFill>
-                <a:latin typeface="Calibri"/>
-                <a:ea typeface="Calibri"/>
-                <a:cs typeface="Calibri"/>
-                <a:sym typeface="Calibri"/>
-              </a:rPr>
-              <a:t>Dylan Rodriguez</a:t>
-            </a:r>
-            <a:endParaRPr>
-              <a:solidFill>
-                <a:schemeClr val="lt1"/>
-              </a:solidFill>
-              <a:latin typeface="Calibri"/>
-              <a:ea typeface="Calibri"/>
-              <a:cs typeface="Calibri"/>
-              <a:sym typeface="Calibri"/>
-            </a:endParaRPr>
-          </a:p>
-          <a:p>
-            <a:pPr indent="0" lvl="0" marL="0" rtl="0" algn="ctr">
-              <a:spcBef>
-                <a:spcPts val="0"/>
-              </a:spcBef>
-              <a:spcAft>
-                <a:spcPts val="0"/>
-              </a:spcAft>
-              <a:buClr>
-                <a:schemeClr val="dk1"/>
-              </a:buClr>
-              <a:buFont typeface="Arial"/>
-              <a:buNone/>
-            </a:pPr>
-            <a:r>
-              <a:rPr lang="en-US">
-                <a:solidFill>
-                  <a:schemeClr val="lt1"/>
-                </a:solidFill>
-                <a:latin typeface="Calibri"/>
-                <a:ea typeface="Calibri"/>
-                <a:cs typeface="Calibri"/>
-                <a:sym typeface="Calibri"/>
-              </a:rPr>
-              <a:t>Javier A. Dastas</a:t>
-            </a:r>
-            <a:endParaRPr sz="1500">
-              <a:solidFill>
-                <a:schemeClr val="lt1"/>
-              </a:solidFill>
-              <a:latin typeface="Calibri"/>
-              <a:ea typeface="Calibri"/>
-              <a:cs typeface="Calibri"/>
-              <a:sym typeface="Calibri"/>
-            </a:endParaRPr>
-          </a:p>
-        </p:txBody>
-      </p:sp>
-      <p:pic>
-        <p:nvPicPr>
-          <p:cNvPr id="265" name="Google Shape;265;p21"/>
-          <p:cNvPicPr preferRelativeResize="0"/>
-          <p:nvPr/>
-        </p:nvPicPr>
-        <p:blipFill>
-          <a:blip r:embed="rId4">
-            <a:alphaModFix/>
-          </a:blip>
-          <a:stretch>
-            <a:fillRect/>
-          </a:stretch>
-        </p:blipFill>
-        <p:spPr>
-          <a:xfrm>
-            <a:off x="10431925" y="5225250"/>
-            <a:ext cx="1319700" cy="1319700"/>
-          </a:xfrm>
-          <a:prstGeom prst="rect">
-            <a:avLst/>
-          </a:prstGeom>
-          <a:solidFill>
-            <a:schemeClr val="dk1">
-              <a:alpha val="80000"/>
-            </a:schemeClr>
-          </a:solidFill>
-          <a:ln>
-            <a:noFill/>
-          </a:ln>
-        </p:spPr>
-      </p:pic>
-      <p:sp>
-        <p:nvSpPr>
-          <p:cNvPr id="266" name="Google Shape;266;p21"/>
-          <p:cNvSpPr txBox="1"/>
-          <p:nvPr/>
-        </p:nvSpPr>
-        <p:spPr>
-          <a:xfrm>
-            <a:off x="4033775" y="2892900"/>
-            <a:ext cx="4329600" cy="1098900"/>
+            <a:off x="8054750" y="6225300"/>
+            <a:ext cx="3000000" cy="446400"/>
           </a:xfrm>
           <a:prstGeom prst="rect">
             <a:avLst/>
@@ -32779,10 +33659,7 @@
           </a:bodyPr>
           <a:lstStyle/>
           <a:p>
-            <a:pPr indent="0" lvl="0" marL="0" rtl="0" algn="ctr">
-              <a:lnSpc>
-                <a:spcPct val="90000"/>
-              </a:lnSpc>
+            <a:pPr indent="0" lvl="0" marL="0" rtl="0" algn="r">
               <a:spcBef>
                 <a:spcPts val="0"/>
               </a:spcBef>
@@ -32792,72 +33669,57 @@
               <a:buNone/>
             </a:pPr>
             <a:r>
-              <a:rPr lang="en-US" sz="6600">
+              <a:rPr lang="en-US" sz="1700">
                 <a:solidFill>
-                  <a:schemeClr val="lt1"/>
+                  <a:schemeClr val="accent1"/>
                 </a:solidFill>
-                <a:latin typeface="Calibri"/>
-                <a:ea typeface="Calibri"/>
-                <a:cs typeface="Calibri"/>
-                <a:sym typeface="Calibri"/>
+                <a:latin typeface="Roboto"/>
+                <a:ea typeface="Roboto"/>
+                <a:cs typeface="Roboto"/>
+                <a:sym typeface="Roboto"/>
               </a:rPr>
-              <a:t>THANK YOU</a:t>
+              <a:t>http://dsmlbootcamp.org/</a:t>
             </a:r>
-            <a:endParaRPr/>
+            <a:endParaRPr sz="1700">
+              <a:solidFill>
+                <a:schemeClr val="accent1"/>
+              </a:solidFill>
+              <a:latin typeface="Roboto"/>
+              <a:ea typeface="Roboto"/>
+              <a:cs typeface="Roboto"/>
+              <a:sym typeface="Roboto"/>
+            </a:endParaRPr>
           </a:p>
         </p:txBody>
       </p:sp>
-      <p:sp>
-        <p:nvSpPr>
-          <p:cNvPr id="267" name="Google Shape;267;p21"/>
-          <p:cNvSpPr/>
+      <p:pic>
+        <p:nvPicPr>
+          <p:cNvPr id="259" name="Google Shape;259;p21"/>
+          <p:cNvPicPr preferRelativeResize="0"/>
           <p:nvPr/>
-        </p:nvSpPr>
+        </p:nvPicPr>
+        <p:blipFill>
+          <a:blip r:embed="rId3">
+            <a:alphaModFix/>
+          </a:blip>
+          <a:stretch>
+            <a:fillRect/>
+          </a:stretch>
+        </p:blipFill>
         <p:spPr>
           <a:xfrm>
-            <a:off x="5836575" y="4119086"/>
-            <a:ext cx="723900" cy="45600"/>
+            <a:off x="675625" y="355725"/>
+            <a:ext cx="10840755" cy="5917951"/>
           </a:xfrm>
           <a:prstGeom prst="rect">
             <a:avLst/>
           </a:prstGeom>
-          <a:solidFill>
-            <a:schemeClr val="accent4"/>
-          </a:solidFill>
+          <a:noFill/>
           <a:ln>
             <a:noFill/>
           </a:ln>
         </p:spPr>
-        <p:txBody>
-          <a:bodyPr anchorCtr="0" anchor="ctr" bIns="45700" lIns="91425" spcFirstLastPara="1" rIns="91425" wrap="square" tIns="45700">
-            <a:noAutofit/>
-          </a:bodyPr>
-          <a:lstStyle/>
-          <a:p>
-            <a:pPr indent="0" lvl="0" marL="0" marR="0" rtl="0" algn="ctr">
-              <a:spcBef>
-                <a:spcPts val="0"/>
-              </a:spcBef>
-              <a:spcAft>
-                <a:spcPts val="0"/>
-              </a:spcAft>
-              <a:buNone/>
-            </a:pPr>
-            <a:r>
-              <a:t/>
-            </a:r>
-            <a:endParaRPr b="0" i="0" sz="1800" u="none" cap="none" strike="noStrike">
-              <a:solidFill>
-                <a:schemeClr val="lt1"/>
-              </a:solidFill>
-              <a:latin typeface="Rockwell"/>
-              <a:ea typeface="Rockwell"/>
-              <a:cs typeface="Rockwell"/>
-              <a:sym typeface="Rockwell"/>
-            </a:endParaRPr>
-          </a:p>
-        </p:txBody>
-      </p:sp>
+      </p:pic>
     </p:spTree>
   </p:cSld>
   <p:clrMapOvr>
